--- a/images/instructions/cut_off_slides_inst.pptx
+++ b/images/instructions/cut_off_slides_inst.pptx
@@ -4,11 +4,15 @@
   <p:sldMasterIdLst>
     <p:sldMasterId id="2147483648" r:id="rId1"/>
   </p:sldMasterIdLst>
+  <p:notesMasterIdLst>
+    <p:notesMasterId r:id="rId7"/>
+  </p:notesMasterIdLst>
   <p:sldIdLst>
     <p:sldId id="256" r:id="rId2"/>
     <p:sldId id="434" r:id="rId3"/>
     <p:sldId id="428" r:id="rId4"/>
     <p:sldId id="429" r:id="rId5"/>
+    <p:sldId id="279" r:id="rId6"/>
   </p:sldIdLst>
   <p:sldSz cx="12192000" cy="6858000"/>
   <p:notesSz cx="6858000" cy="9144000"/>
@@ -107,7 +111,1023 @@
       </a:defRPr>
     </a:lvl9pPr>
   </p:defaultTextStyle>
+  <p:extLst>
+    <p:ext uri="{EFAFB233-063F-42B5-8137-9DF3F51BA10A}">
+      <p15:sldGuideLst xmlns:p15="http://schemas.microsoft.com/office/powerpoint/2012/main"/>
+    </p:ext>
+  </p:extLst>
 </p:presentation>
+</file>
+
+<file path=ppt/notesMasters/notesMaster1.xml><?xml version="1.0" encoding="utf-8"?>
+<p:notesMaster xmlns:a="http://schemas.openxmlformats.org/drawingml/2006/main" xmlns:r="http://schemas.openxmlformats.org/officeDocument/2006/relationships" xmlns:p="http://schemas.openxmlformats.org/presentationml/2006/main">
+  <p:cSld>
+    <p:bg>
+      <p:bgRef idx="1001">
+        <a:schemeClr val="bg1"/>
+      </p:bgRef>
+    </p:bg>
+    <p:spTree>
+      <p:nvGrpSpPr>
+        <p:cNvPr id="1" name=""/>
+        <p:cNvGrpSpPr/>
+        <p:nvPr/>
+      </p:nvGrpSpPr>
+      <p:grpSpPr>
+        <a:xfrm>
+          <a:off x="0" y="0"/>
+          <a:ext cx="0" cy="0"/>
+          <a:chOff x="0" y="0"/>
+          <a:chExt cx="0" cy="0"/>
+        </a:xfrm>
+      </p:grpSpPr>
+      <p:sp>
+        <p:nvSpPr>
+          <p:cNvPr id="2" name="Header Placeholder 1"/>
+          <p:cNvSpPr>
+            <a:spLocks noGrp="1"/>
+          </p:cNvSpPr>
+          <p:nvPr>
+            <p:ph type="hdr" sz="quarter"/>
+          </p:nvPr>
+        </p:nvSpPr>
+        <p:spPr>
+          <a:xfrm>
+            <a:off x="0" y="0"/>
+            <a:ext cx="2971800" cy="458788"/>
+          </a:xfrm>
+          <a:prstGeom prst="rect">
+            <a:avLst/>
+          </a:prstGeom>
+        </p:spPr>
+        <p:txBody>
+          <a:bodyPr vert="horz" lIns="91440" tIns="45720" rIns="91440" bIns="45720" rtlCol="0"/>
+          <a:lstStyle>
+            <a:lvl1pPr algn="l">
+              <a:defRPr sz="1200"/>
+            </a:lvl1pPr>
+          </a:lstStyle>
+          <a:p>
+            <a:endParaRPr lang="en-US"/>
+          </a:p>
+        </p:txBody>
+      </p:sp>
+      <p:sp>
+        <p:nvSpPr>
+          <p:cNvPr id="3" name="Date Placeholder 2"/>
+          <p:cNvSpPr>
+            <a:spLocks noGrp="1"/>
+          </p:cNvSpPr>
+          <p:nvPr>
+            <p:ph type="dt" idx="1"/>
+          </p:nvPr>
+        </p:nvSpPr>
+        <p:spPr>
+          <a:xfrm>
+            <a:off x="3884613" y="0"/>
+            <a:ext cx="2971800" cy="458788"/>
+          </a:xfrm>
+          <a:prstGeom prst="rect">
+            <a:avLst/>
+          </a:prstGeom>
+        </p:spPr>
+        <p:txBody>
+          <a:bodyPr vert="horz" lIns="91440" tIns="45720" rIns="91440" bIns="45720" rtlCol="0"/>
+          <a:lstStyle>
+            <a:lvl1pPr algn="r">
+              <a:defRPr sz="1200"/>
+            </a:lvl1pPr>
+          </a:lstStyle>
+          <a:p>
+            <a:fld id="{16410A8E-DF47-2C46-B759-E5E43FE39603}" type="datetimeFigureOut">
+              <a:rPr lang="en-US" smtClean="0"/>
+              <a:t>4/8/24</a:t>
+            </a:fld>
+            <a:endParaRPr lang="en-US"/>
+          </a:p>
+        </p:txBody>
+      </p:sp>
+      <p:sp>
+        <p:nvSpPr>
+          <p:cNvPr id="4" name="Slide Image Placeholder 3"/>
+          <p:cNvSpPr>
+            <a:spLocks noGrp="1" noRot="1" noChangeAspect="1"/>
+          </p:cNvSpPr>
+          <p:nvPr>
+            <p:ph type="sldImg" idx="2"/>
+          </p:nvPr>
+        </p:nvSpPr>
+        <p:spPr>
+          <a:xfrm>
+            <a:off x="685800" y="1143000"/>
+            <a:ext cx="5486400" cy="3086100"/>
+          </a:xfrm>
+          <a:prstGeom prst="rect">
+            <a:avLst/>
+          </a:prstGeom>
+          <a:noFill/>
+          <a:ln w="12700">
+            <a:solidFill>
+              <a:prstClr val="black"/>
+            </a:solidFill>
+          </a:ln>
+        </p:spPr>
+        <p:txBody>
+          <a:bodyPr vert="horz" lIns="91440" tIns="45720" rIns="91440" bIns="45720" rtlCol="0" anchor="ctr"/>
+          <a:lstStyle/>
+          <a:p>
+            <a:endParaRPr lang="en-US"/>
+          </a:p>
+        </p:txBody>
+      </p:sp>
+      <p:sp>
+        <p:nvSpPr>
+          <p:cNvPr id="5" name="Notes Placeholder 4"/>
+          <p:cNvSpPr>
+            <a:spLocks noGrp="1"/>
+          </p:cNvSpPr>
+          <p:nvPr>
+            <p:ph type="body" sz="quarter" idx="3"/>
+          </p:nvPr>
+        </p:nvSpPr>
+        <p:spPr>
+          <a:xfrm>
+            <a:off x="685800" y="4400550"/>
+            <a:ext cx="5486400" cy="3600450"/>
+          </a:xfrm>
+          <a:prstGeom prst="rect">
+            <a:avLst/>
+          </a:prstGeom>
+        </p:spPr>
+        <p:txBody>
+          <a:bodyPr vert="horz" lIns="91440" tIns="45720" rIns="91440" bIns="45720" rtlCol="0"/>
+          <a:lstStyle/>
+          <a:p>
+            <a:pPr lvl="0"/>
+            <a:r>
+              <a:rPr lang="en-US"/>
+              <a:t>Click to edit Master text styles</a:t>
+            </a:r>
+          </a:p>
+          <a:p>
+            <a:pPr lvl="1"/>
+            <a:r>
+              <a:rPr lang="en-US"/>
+              <a:t>Second level</a:t>
+            </a:r>
+          </a:p>
+          <a:p>
+            <a:pPr lvl="2"/>
+            <a:r>
+              <a:rPr lang="en-US"/>
+              <a:t>Third level</a:t>
+            </a:r>
+          </a:p>
+          <a:p>
+            <a:pPr lvl="3"/>
+            <a:r>
+              <a:rPr lang="en-US"/>
+              <a:t>Fourth level</a:t>
+            </a:r>
+          </a:p>
+          <a:p>
+            <a:pPr lvl="4"/>
+            <a:r>
+              <a:rPr lang="en-US"/>
+              <a:t>Fifth level</a:t>
+            </a:r>
+          </a:p>
+        </p:txBody>
+      </p:sp>
+      <p:sp>
+        <p:nvSpPr>
+          <p:cNvPr id="6" name="Footer Placeholder 5"/>
+          <p:cNvSpPr>
+            <a:spLocks noGrp="1"/>
+          </p:cNvSpPr>
+          <p:nvPr>
+            <p:ph type="ftr" sz="quarter" idx="4"/>
+          </p:nvPr>
+        </p:nvSpPr>
+        <p:spPr>
+          <a:xfrm>
+            <a:off x="0" y="8685213"/>
+            <a:ext cx="2971800" cy="458787"/>
+          </a:xfrm>
+          <a:prstGeom prst="rect">
+            <a:avLst/>
+          </a:prstGeom>
+        </p:spPr>
+        <p:txBody>
+          <a:bodyPr vert="horz" lIns="91440" tIns="45720" rIns="91440" bIns="45720" rtlCol="0" anchor="b"/>
+          <a:lstStyle>
+            <a:lvl1pPr algn="l">
+              <a:defRPr sz="1200"/>
+            </a:lvl1pPr>
+          </a:lstStyle>
+          <a:p>
+            <a:endParaRPr lang="en-US"/>
+          </a:p>
+        </p:txBody>
+      </p:sp>
+      <p:sp>
+        <p:nvSpPr>
+          <p:cNvPr id="7" name="Slide Number Placeholder 6"/>
+          <p:cNvSpPr>
+            <a:spLocks noGrp="1"/>
+          </p:cNvSpPr>
+          <p:nvPr>
+            <p:ph type="sldNum" sz="quarter" idx="5"/>
+          </p:nvPr>
+        </p:nvSpPr>
+        <p:spPr>
+          <a:xfrm>
+            <a:off x="3884613" y="8685213"/>
+            <a:ext cx="2971800" cy="458787"/>
+          </a:xfrm>
+          <a:prstGeom prst="rect">
+            <a:avLst/>
+          </a:prstGeom>
+        </p:spPr>
+        <p:txBody>
+          <a:bodyPr vert="horz" lIns="91440" tIns="45720" rIns="91440" bIns="45720" rtlCol="0" anchor="b"/>
+          <a:lstStyle>
+            <a:lvl1pPr algn="r">
+              <a:defRPr sz="1200"/>
+            </a:lvl1pPr>
+          </a:lstStyle>
+          <a:p>
+            <a:fld id="{4EB52E18-D855-B945-9863-2ABF1DCC9CE7}" type="slidenum">
+              <a:rPr lang="en-US" smtClean="0"/>
+              <a:t>‹#›</a:t>
+            </a:fld>
+            <a:endParaRPr lang="en-US"/>
+          </a:p>
+        </p:txBody>
+      </p:sp>
+    </p:spTree>
+    <p:extLst>
+      <p:ext uri="{BB962C8B-B14F-4D97-AF65-F5344CB8AC3E}">
+        <p14:creationId xmlns:p14="http://schemas.microsoft.com/office/powerpoint/2010/main" val="1576827461"/>
+      </p:ext>
+    </p:extLst>
+  </p:cSld>
+  <p:clrMap bg1="lt1" tx1="dk1" bg2="lt2" tx2="dk2" accent1="accent1" accent2="accent2" accent3="accent3" accent4="accent4" accent5="accent5" accent6="accent6" hlink="hlink" folHlink="folHlink"/>
+  <p:notesStyle>
+    <a:lvl1pPr marL="0" algn="l" defTabSz="914400" rtl="0" eaLnBrk="1" latinLnBrk="0" hangingPunct="1">
+      <a:defRPr sz="1200" kern="1200">
+        <a:solidFill>
+          <a:schemeClr val="tx1"/>
+        </a:solidFill>
+        <a:latin typeface="+mn-lt"/>
+        <a:ea typeface="+mn-ea"/>
+        <a:cs typeface="+mn-cs"/>
+      </a:defRPr>
+    </a:lvl1pPr>
+    <a:lvl2pPr marL="457200" algn="l" defTabSz="914400" rtl="0" eaLnBrk="1" latinLnBrk="0" hangingPunct="1">
+      <a:defRPr sz="1200" kern="1200">
+        <a:solidFill>
+          <a:schemeClr val="tx1"/>
+        </a:solidFill>
+        <a:latin typeface="+mn-lt"/>
+        <a:ea typeface="+mn-ea"/>
+        <a:cs typeface="+mn-cs"/>
+      </a:defRPr>
+    </a:lvl2pPr>
+    <a:lvl3pPr marL="914400" algn="l" defTabSz="914400" rtl="0" eaLnBrk="1" latinLnBrk="0" hangingPunct="1">
+      <a:defRPr sz="1200" kern="1200">
+        <a:solidFill>
+          <a:schemeClr val="tx1"/>
+        </a:solidFill>
+        <a:latin typeface="+mn-lt"/>
+        <a:ea typeface="+mn-ea"/>
+        <a:cs typeface="+mn-cs"/>
+      </a:defRPr>
+    </a:lvl3pPr>
+    <a:lvl4pPr marL="1371600" algn="l" defTabSz="914400" rtl="0" eaLnBrk="1" latinLnBrk="0" hangingPunct="1">
+      <a:defRPr sz="1200" kern="1200">
+        <a:solidFill>
+          <a:schemeClr val="tx1"/>
+        </a:solidFill>
+        <a:latin typeface="+mn-lt"/>
+        <a:ea typeface="+mn-ea"/>
+        <a:cs typeface="+mn-cs"/>
+      </a:defRPr>
+    </a:lvl4pPr>
+    <a:lvl5pPr marL="1828800" algn="l" defTabSz="914400" rtl="0" eaLnBrk="1" latinLnBrk="0" hangingPunct="1">
+      <a:defRPr sz="1200" kern="1200">
+        <a:solidFill>
+          <a:schemeClr val="tx1"/>
+        </a:solidFill>
+        <a:latin typeface="+mn-lt"/>
+        <a:ea typeface="+mn-ea"/>
+        <a:cs typeface="+mn-cs"/>
+      </a:defRPr>
+    </a:lvl5pPr>
+    <a:lvl6pPr marL="2286000" algn="l" defTabSz="914400" rtl="0" eaLnBrk="1" latinLnBrk="0" hangingPunct="1">
+      <a:defRPr sz="1200" kern="1200">
+        <a:solidFill>
+          <a:schemeClr val="tx1"/>
+        </a:solidFill>
+        <a:latin typeface="+mn-lt"/>
+        <a:ea typeface="+mn-ea"/>
+        <a:cs typeface="+mn-cs"/>
+      </a:defRPr>
+    </a:lvl6pPr>
+    <a:lvl7pPr marL="2743200" algn="l" defTabSz="914400" rtl="0" eaLnBrk="1" latinLnBrk="0" hangingPunct="1">
+      <a:defRPr sz="1200" kern="1200">
+        <a:solidFill>
+          <a:schemeClr val="tx1"/>
+        </a:solidFill>
+        <a:latin typeface="+mn-lt"/>
+        <a:ea typeface="+mn-ea"/>
+        <a:cs typeface="+mn-cs"/>
+      </a:defRPr>
+    </a:lvl7pPr>
+    <a:lvl8pPr marL="3200400" algn="l" defTabSz="914400" rtl="0" eaLnBrk="1" latinLnBrk="0" hangingPunct="1">
+      <a:defRPr sz="1200" kern="1200">
+        <a:solidFill>
+          <a:schemeClr val="tx1"/>
+        </a:solidFill>
+        <a:latin typeface="+mn-lt"/>
+        <a:ea typeface="+mn-ea"/>
+        <a:cs typeface="+mn-cs"/>
+      </a:defRPr>
+    </a:lvl8pPr>
+    <a:lvl9pPr marL="3657600" algn="l" defTabSz="914400" rtl="0" eaLnBrk="1" latinLnBrk="0" hangingPunct="1">
+      <a:defRPr sz="1200" kern="1200">
+        <a:solidFill>
+          <a:schemeClr val="tx1"/>
+        </a:solidFill>
+        <a:latin typeface="+mn-lt"/>
+        <a:ea typeface="+mn-ea"/>
+        <a:cs typeface="+mn-cs"/>
+      </a:defRPr>
+    </a:lvl9pPr>
+  </p:notesStyle>
+</p:notesMaster>
+</file>
+
+<file path=ppt/notesSlides/notesSlide1.xml><?xml version="1.0" encoding="utf-8"?>
+<p:notes xmlns:a="http://schemas.openxmlformats.org/drawingml/2006/main" xmlns:r="http://schemas.openxmlformats.org/officeDocument/2006/relationships" xmlns:p="http://schemas.openxmlformats.org/presentationml/2006/main" showMasterSp="0" showMasterPhAnim="0">
+  <p:cSld>
+    <p:spTree>
+      <p:nvGrpSpPr>
+        <p:cNvPr id="1" name="Shape 327"/>
+        <p:cNvGrpSpPr/>
+        <p:nvPr/>
+      </p:nvGrpSpPr>
+      <p:grpSpPr>
+        <a:xfrm>
+          <a:off x="0" y="0"/>
+          <a:ext cx="0" cy="0"/>
+          <a:chOff x="0" y="0"/>
+          <a:chExt cx="0" cy="0"/>
+        </a:xfrm>
+      </p:grpSpPr>
+      <p:sp>
+        <p:nvSpPr>
+          <p:cNvPr id="328" name="Google Shape;328;p9:notes"/>
+          <p:cNvSpPr txBox="1">
+            <a:spLocks noGrp="1"/>
+          </p:cNvSpPr>
+          <p:nvPr>
+            <p:ph type="body" idx="1"/>
+          </p:nvPr>
+        </p:nvSpPr>
+        <p:spPr>
+          <a:xfrm>
+            <a:off x="685800" y="4400550"/>
+            <a:ext cx="5486400" cy="3600450"/>
+          </a:xfrm>
+          <a:prstGeom prst="rect">
+            <a:avLst/>
+          </a:prstGeom>
+        </p:spPr>
+        <p:txBody>
+          <a:bodyPr spcFirstLastPara="1" wrap="square" lIns="91425" tIns="45700" rIns="91425" bIns="45700" anchor="t" anchorCtr="0">
+            <a:noAutofit/>
+          </a:bodyPr>
+          <a:lstStyle/>
+          <a:p>
+            <a:pPr marL="0" lvl="0" indent="0" algn="l" rtl="0">
+              <a:spcBef>
+                <a:spcPts val="0"/>
+              </a:spcBef>
+              <a:spcAft>
+                <a:spcPts val="0"/>
+              </a:spcAft>
+              <a:buNone/>
+            </a:pPr>
+            <a:r>
+              <a:rPr lang="en-US" altLang="zh-CN" dirty="0"/>
+              <a:t>You</a:t>
+            </a:r>
+            <a:r>
+              <a:rPr lang="zh-CN" altLang="en-US" dirty="0"/>
+              <a:t> </a:t>
+            </a:r>
+            <a:r>
+              <a:rPr lang="en-US" altLang="zh-CN" dirty="0"/>
+              <a:t>will</a:t>
+            </a:r>
+            <a:r>
+              <a:rPr lang="zh-CN" altLang="en-US" dirty="0"/>
+              <a:t> </a:t>
+            </a:r>
+            <a:r>
+              <a:rPr lang="en-US" altLang="zh-CN" dirty="0"/>
+              <a:t>press</a:t>
+            </a:r>
+            <a:r>
+              <a:rPr lang="zh-CN" altLang="en-US" dirty="0"/>
+              <a:t> </a:t>
+            </a:r>
+            <a:r>
+              <a:rPr lang="en-US" altLang="zh-CN" dirty="0"/>
+              <a:t>the</a:t>
+            </a:r>
+            <a:r>
+              <a:rPr lang="zh-CN" altLang="en-US" dirty="0"/>
+              <a:t> </a:t>
+            </a:r>
+            <a:r>
+              <a:rPr lang="en-US" altLang="zh-CN" dirty="0"/>
+              <a:t>left</a:t>
+            </a:r>
+            <a:r>
+              <a:rPr lang="zh-CN" altLang="en-US" dirty="0"/>
+              <a:t> </a:t>
+            </a:r>
+            <a:r>
+              <a:rPr lang="en-US" altLang="zh-CN" dirty="0"/>
+              <a:t>arrow</a:t>
+            </a:r>
+            <a:r>
+              <a:rPr lang="zh-CN" altLang="en-US" dirty="0"/>
+              <a:t> </a:t>
+            </a:r>
+            <a:r>
+              <a:rPr lang="en-US" altLang="zh-CN" dirty="0"/>
+              <a:t>key</a:t>
+            </a:r>
+            <a:r>
+              <a:rPr lang="zh-CN" altLang="en-US" dirty="0"/>
+              <a:t> </a:t>
+            </a:r>
+            <a:r>
+              <a:rPr lang="en-US" altLang="zh-CN" dirty="0"/>
+              <a:t>to</a:t>
+            </a:r>
+            <a:r>
+              <a:rPr lang="zh-CN" altLang="en-US" dirty="0"/>
+              <a:t> </a:t>
+            </a:r>
+            <a:r>
+              <a:rPr lang="en-US" altLang="zh-CN" dirty="0"/>
+              <a:t>pick</a:t>
+            </a:r>
+            <a:r>
+              <a:rPr lang="zh-CN" altLang="en-US" dirty="0"/>
+              <a:t> </a:t>
+            </a:r>
+            <a:r>
+              <a:rPr lang="en-US" altLang="zh-CN" dirty="0"/>
+              <a:t>the</a:t>
+            </a:r>
+            <a:r>
+              <a:rPr lang="zh-CN" altLang="en-US" dirty="0"/>
+              <a:t> </a:t>
+            </a:r>
+            <a:r>
+              <a:rPr lang="en-US" altLang="zh-CN" dirty="0"/>
+              <a:t>card</a:t>
+            </a:r>
+            <a:r>
+              <a:rPr lang="zh-CN" altLang="en-US" dirty="0"/>
+              <a:t> </a:t>
+            </a:r>
+            <a:r>
+              <a:rPr lang="en-US" altLang="zh-CN" dirty="0"/>
+              <a:t>on</a:t>
+            </a:r>
+            <a:r>
+              <a:rPr lang="zh-CN" altLang="en-US" dirty="0"/>
+              <a:t> </a:t>
+            </a:r>
+            <a:r>
+              <a:rPr lang="en-US" altLang="zh-CN" dirty="0"/>
+              <a:t>the</a:t>
+            </a:r>
+            <a:r>
+              <a:rPr lang="zh-CN" altLang="en-US" dirty="0"/>
+              <a:t> </a:t>
+            </a:r>
+            <a:r>
+              <a:rPr lang="en-US" altLang="zh-CN" dirty="0"/>
+              <a:t>left,</a:t>
+            </a:r>
+          </a:p>
+          <a:p>
+            <a:pPr marL="0" lvl="0" indent="0" algn="l" rtl="0">
+              <a:spcBef>
+                <a:spcPts val="0"/>
+              </a:spcBef>
+              <a:spcAft>
+                <a:spcPts val="0"/>
+              </a:spcAft>
+              <a:buNone/>
+            </a:pPr>
+            <a:endParaRPr lang="en-US" dirty="0"/>
+          </a:p>
+          <a:p>
+            <a:pPr marL="0" lvl="0" indent="0" algn="l" rtl="0">
+              <a:spcBef>
+                <a:spcPts val="0"/>
+              </a:spcBef>
+              <a:spcAft>
+                <a:spcPts val="0"/>
+              </a:spcAft>
+              <a:buNone/>
+            </a:pPr>
+            <a:r>
+              <a:rPr lang="en-US" altLang="zh-CN" dirty="0"/>
+              <a:t>And</a:t>
+            </a:r>
+            <a:r>
+              <a:rPr lang="zh-CN" altLang="en-US" dirty="0"/>
+              <a:t> </a:t>
+            </a:r>
+            <a:r>
+              <a:rPr lang="en-US" altLang="zh-CN" dirty="0"/>
+              <a:t>press</a:t>
+            </a:r>
+            <a:r>
+              <a:rPr lang="zh-CN" altLang="en-US" dirty="0"/>
+              <a:t> </a:t>
+            </a:r>
+            <a:r>
+              <a:rPr lang="en-US" altLang="zh-CN" dirty="0"/>
+              <a:t>the</a:t>
+            </a:r>
+            <a:r>
+              <a:rPr lang="zh-CN" altLang="en-US" dirty="0"/>
+              <a:t> </a:t>
+            </a:r>
+            <a:r>
+              <a:rPr lang="en-US" altLang="zh-CN" dirty="0"/>
+              <a:t>right</a:t>
+            </a:r>
+            <a:r>
+              <a:rPr lang="zh-CN" altLang="en-US" dirty="0"/>
+              <a:t> </a:t>
+            </a:r>
+            <a:r>
+              <a:rPr lang="en-US" altLang="zh-CN" dirty="0"/>
+              <a:t>arrow</a:t>
+            </a:r>
+            <a:r>
+              <a:rPr lang="zh-CN" altLang="en-US" dirty="0"/>
+              <a:t> </a:t>
+            </a:r>
+            <a:r>
+              <a:rPr lang="en-US" altLang="zh-CN" dirty="0"/>
+              <a:t>key</a:t>
+            </a:r>
+            <a:r>
+              <a:rPr lang="zh-CN" altLang="en-US" dirty="0"/>
+              <a:t> </a:t>
+            </a:r>
+            <a:r>
+              <a:rPr lang="en-US" altLang="zh-CN" dirty="0"/>
+              <a:t>to</a:t>
+            </a:r>
+            <a:r>
+              <a:rPr lang="zh-CN" altLang="en-US" dirty="0"/>
+              <a:t> </a:t>
+            </a:r>
+            <a:r>
+              <a:rPr lang="en-US" altLang="zh-CN" dirty="0"/>
+              <a:t>pick</a:t>
+            </a:r>
+            <a:r>
+              <a:rPr lang="zh-CN" altLang="en-US" dirty="0"/>
+              <a:t> </a:t>
+            </a:r>
+            <a:r>
+              <a:rPr lang="en-US" altLang="zh-CN" dirty="0"/>
+              <a:t>the</a:t>
+            </a:r>
+            <a:r>
+              <a:rPr lang="zh-CN" altLang="en-US" dirty="0"/>
+              <a:t> </a:t>
+            </a:r>
+            <a:r>
+              <a:rPr lang="en-US" altLang="zh-CN" dirty="0"/>
+              <a:t>card</a:t>
+            </a:r>
+            <a:r>
+              <a:rPr lang="zh-CN" altLang="en-US" dirty="0"/>
+              <a:t> </a:t>
+            </a:r>
+            <a:r>
+              <a:rPr lang="en-US" altLang="zh-CN" dirty="0"/>
+              <a:t>on</a:t>
+            </a:r>
+            <a:r>
+              <a:rPr lang="zh-CN" altLang="en-US" dirty="0"/>
+              <a:t> </a:t>
+            </a:r>
+            <a:r>
+              <a:rPr lang="en-US" altLang="zh-CN" dirty="0"/>
+              <a:t>the</a:t>
+            </a:r>
+            <a:r>
+              <a:rPr lang="zh-CN" altLang="en-US" dirty="0"/>
+              <a:t> </a:t>
+            </a:r>
+            <a:r>
+              <a:rPr lang="en-US" altLang="zh-CN" dirty="0"/>
+              <a:t>right.</a:t>
+            </a:r>
+          </a:p>
+          <a:p>
+            <a:pPr marL="0" lvl="0" indent="0" algn="l" rtl="0">
+              <a:spcBef>
+                <a:spcPts val="0"/>
+              </a:spcBef>
+              <a:spcAft>
+                <a:spcPts val="0"/>
+              </a:spcAft>
+              <a:buNone/>
+            </a:pPr>
+            <a:endParaRPr lang="en-US" altLang="zh-CN" dirty="0"/>
+          </a:p>
+          <a:p>
+            <a:pPr marL="0" lvl="0" indent="0" algn="l" rtl="0">
+              <a:spcBef>
+                <a:spcPts val="0"/>
+              </a:spcBef>
+              <a:spcAft>
+                <a:spcPts val="0"/>
+              </a:spcAft>
+              <a:buNone/>
+            </a:pPr>
+            <a:r>
+              <a:rPr lang="en-US" altLang="zh-CN" dirty="0"/>
+              <a:t>[click</a:t>
+            </a:r>
+            <a:r>
+              <a:rPr lang="zh-CN" altLang="en-US" dirty="0"/>
+              <a:t> </a:t>
+            </a:r>
+            <a:r>
+              <a:rPr lang="en-US" altLang="zh-CN" dirty="0"/>
+              <a:t>for</a:t>
+            </a:r>
+            <a:r>
+              <a:rPr lang="zh-CN" altLang="en-US" dirty="0"/>
+              <a:t> </a:t>
+            </a:r>
+            <a:r>
+              <a:rPr lang="en-US" altLang="zh-CN" dirty="0"/>
+              <a:t>effect]</a:t>
+            </a:r>
+          </a:p>
+          <a:p>
+            <a:pPr marL="0" lvl="0" indent="0" algn="l" rtl="0">
+              <a:spcBef>
+                <a:spcPts val="0"/>
+              </a:spcBef>
+              <a:spcAft>
+                <a:spcPts val="0"/>
+              </a:spcAft>
+              <a:buNone/>
+            </a:pPr>
+            <a:r>
+              <a:rPr lang="en-US" altLang="zh-CN" dirty="0"/>
+              <a:t>Now,</a:t>
+            </a:r>
+            <a:r>
+              <a:rPr lang="zh-CN" altLang="en-US" dirty="0"/>
+              <a:t> </a:t>
+            </a:r>
+            <a:r>
+              <a:rPr lang="en-US" altLang="zh-CN" dirty="0"/>
+              <a:t>put</a:t>
+            </a:r>
+            <a:r>
+              <a:rPr lang="zh-CN" altLang="en-US" dirty="0"/>
+              <a:t> </a:t>
+            </a:r>
+            <a:r>
+              <a:rPr lang="en-US" altLang="zh-CN" dirty="0"/>
+              <a:t>your</a:t>
+            </a:r>
+            <a:r>
+              <a:rPr lang="zh-CN" altLang="en-US" dirty="0"/>
+              <a:t> </a:t>
+            </a:r>
+            <a:r>
+              <a:rPr lang="en-US" altLang="zh-CN" dirty="0"/>
+              <a:t>left</a:t>
+            </a:r>
+            <a:r>
+              <a:rPr lang="zh-CN" altLang="en-US" dirty="0"/>
+              <a:t> </a:t>
+            </a:r>
+            <a:r>
+              <a:rPr lang="en-US" altLang="zh-CN" dirty="0"/>
+              <a:t>index</a:t>
+            </a:r>
+            <a:r>
+              <a:rPr lang="zh-CN" altLang="en-US" dirty="0"/>
+              <a:t> </a:t>
+            </a:r>
+            <a:r>
+              <a:rPr lang="en-US" altLang="zh-CN" dirty="0"/>
+              <a:t>finger</a:t>
+            </a:r>
+            <a:r>
+              <a:rPr lang="zh-CN" altLang="en-US" dirty="0"/>
+              <a:t> </a:t>
+            </a:r>
+            <a:r>
+              <a:rPr lang="en-US" altLang="zh-CN" dirty="0"/>
+              <a:t>on</a:t>
+            </a:r>
+            <a:r>
+              <a:rPr lang="zh-CN" altLang="en-US" dirty="0"/>
+              <a:t> </a:t>
+            </a:r>
+            <a:r>
+              <a:rPr lang="en-US" altLang="zh-CN" dirty="0"/>
+              <a:t>the</a:t>
+            </a:r>
+            <a:r>
+              <a:rPr lang="zh-CN" altLang="en-US" dirty="0"/>
+              <a:t> </a:t>
+            </a:r>
+            <a:r>
+              <a:rPr lang="en-US" altLang="zh-CN" dirty="0"/>
+              <a:t>left</a:t>
+            </a:r>
+            <a:r>
+              <a:rPr lang="zh-CN" altLang="en-US" dirty="0"/>
+              <a:t> </a:t>
+            </a:r>
+            <a:r>
+              <a:rPr lang="en-US" altLang="zh-CN" dirty="0"/>
+              <a:t>arrow</a:t>
+            </a:r>
+            <a:r>
+              <a:rPr lang="zh-CN" altLang="en-US" dirty="0"/>
+              <a:t> </a:t>
+            </a:r>
+            <a:r>
+              <a:rPr lang="en-US" altLang="zh-CN" dirty="0"/>
+              <a:t>key</a:t>
+            </a:r>
+          </a:p>
+          <a:p>
+            <a:pPr marL="0" lvl="0" indent="0" algn="l" rtl="0">
+              <a:spcBef>
+                <a:spcPts val="0"/>
+              </a:spcBef>
+              <a:spcAft>
+                <a:spcPts val="0"/>
+              </a:spcAft>
+              <a:buNone/>
+            </a:pPr>
+            <a:endParaRPr lang="en-US" altLang="zh-CN" dirty="0"/>
+          </a:p>
+          <a:p>
+            <a:pPr marL="0" marR="0" lvl="0" indent="0" algn="l" defTabSz="914400" rtl="0" eaLnBrk="1" fontAlgn="auto" latinLnBrk="0" hangingPunct="1">
+              <a:lnSpc>
+                <a:spcPct val="100000"/>
+              </a:lnSpc>
+              <a:spcBef>
+                <a:spcPts val="0"/>
+              </a:spcBef>
+              <a:spcAft>
+                <a:spcPts val="0"/>
+              </a:spcAft>
+              <a:buClrTx/>
+              <a:buSzTx/>
+              <a:buFontTx/>
+              <a:buNone/>
+              <a:tabLst/>
+              <a:defRPr/>
+            </a:pPr>
+            <a:r>
+              <a:rPr lang="en-US" altLang="zh-CN" dirty="0"/>
+              <a:t>[click</a:t>
+            </a:r>
+            <a:r>
+              <a:rPr lang="zh-CN" altLang="en-US" dirty="0"/>
+              <a:t> </a:t>
+            </a:r>
+            <a:r>
+              <a:rPr lang="en-US" altLang="zh-CN" dirty="0"/>
+              <a:t>for</a:t>
+            </a:r>
+            <a:r>
+              <a:rPr lang="zh-CN" altLang="en-US" dirty="0"/>
+              <a:t> </a:t>
+            </a:r>
+            <a:r>
+              <a:rPr lang="en-US" altLang="zh-CN" dirty="0"/>
+              <a:t>effect]</a:t>
+            </a:r>
+          </a:p>
+          <a:p>
+            <a:pPr marL="0" lvl="0" indent="0" algn="l" rtl="0">
+              <a:spcBef>
+                <a:spcPts val="0"/>
+              </a:spcBef>
+              <a:spcAft>
+                <a:spcPts val="0"/>
+              </a:spcAft>
+              <a:buNone/>
+            </a:pPr>
+            <a:r>
+              <a:rPr lang="en-US" altLang="zh-CN" dirty="0"/>
+              <a:t>And</a:t>
+            </a:r>
+            <a:r>
+              <a:rPr lang="zh-CN" altLang="en-US" dirty="0"/>
+              <a:t> </a:t>
+            </a:r>
+            <a:r>
+              <a:rPr lang="en-US" altLang="zh-CN" dirty="0"/>
+              <a:t>put</a:t>
+            </a:r>
+            <a:r>
+              <a:rPr lang="zh-CN" altLang="en-US" dirty="0"/>
+              <a:t> </a:t>
+            </a:r>
+            <a:r>
+              <a:rPr lang="en-US" altLang="zh-CN" dirty="0"/>
+              <a:t>your</a:t>
+            </a:r>
+            <a:r>
+              <a:rPr lang="zh-CN" altLang="en-US" dirty="0"/>
+              <a:t> </a:t>
+            </a:r>
+            <a:r>
+              <a:rPr lang="en-US" altLang="zh-CN" dirty="0"/>
+              <a:t>right</a:t>
+            </a:r>
+            <a:r>
+              <a:rPr lang="zh-CN" altLang="en-US" dirty="0"/>
+              <a:t> </a:t>
+            </a:r>
+            <a:r>
+              <a:rPr lang="en-US" altLang="zh-CN" dirty="0"/>
+              <a:t>index</a:t>
+            </a:r>
+            <a:r>
+              <a:rPr lang="zh-CN" altLang="en-US" dirty="0"/>
+              <a:t> </a:t>
+            </a:r>
+            <a:r>
+              <a:rPr lang="en-US" altLang="zh-CN" dirty="0"/>
+              <a:t>finger</a:t>
+            </a:r>
+            <a:r>
+              <a:rPr lang="zh-CN" altLang="en-US" dirty="0"/>
+              <a:t> </a:t>
+            </a:r>
+            <a:r>
+              <a:rPr lang="en-US" altLang="zh-CN" dirty="0"/>
+              <a:t>on</a:t>
+            </a:r>
+            <a:r>
+              <a:rPr lang="zh-CN" altLang="en-US" dirty="0"/>
+              <a:t> </a:t>
+            </a:r>
+            <a:r>
+              <a:rPr lang="en-US" altLang="zh-CN" dirty="0"/>
+              <a:t>the</a:t>
+            </a:r>
+            <a:r>
+              <a:rPr lang="zh-CN" altLang="en-US" dirty="0"/>
+              <a:t> </a:t>
+            </a:r>
+            <a:r>
+              <a:rPr lang="en-US" altLang="zh-CN" dirty="0"/>
+              <a:t>right</a:t>
+            </a:r>
+            <a:r>
+              <a:rPr lang="zh-CN" altLang="en-US" dirty="0"/>
+              <a:t> </a:t>
+            </a:r>
+            <a:r>
+              <a:rPr lang="en-US" altLang="zh-CN" dirty="0"/>
+              <a:t>arrow</a:t>
+            </a:r>
+            <a:r>
+              <a:rPr lang="zh-CN" altLang="en-US" dirty="0"/>
+              <a:t> </a:t>
+            </a:r>
+            <a:r>
+              <a:rPr lang="en-US" altLang="zh-CN" dirty="0"/>
+              <a:t>key.</a:t>
+            </a:r>
+          </a:p>
+          <a:p>
+            <a:pPr marL="0" lvl="0" indent="0" algn="l" rtl="0">
+              <a:spcBef>
+                <a:spcPts val="0"/>
+              </a:spcBef>
+              <a:spcAft>
+                <a:spcPts val="0"/>
+              </a:spcAft>
+              <a:buNone/>
+            </a:pPr>
+            <a:endParaRPr lang="en-US" dirty="0"/>
+          </a:p>
+          <a:p>
+            <a:pPr marL="0" lvl="0" indent="0" algn="l" rtl="0">
+              <a:spcBef>
+                <a:spcPts val="0"/>
+              </a:spcBef>
+              <a:spcAft>
+                <a:spcPts val="0"/>
+              </a:spcAft>
+              <a:buNone/>
+            </a:pPr>
+            <a:r>
+              <a:rPr lang="en-US" altLang="zh-CN" dirty="0"/>
+              <a:t>Okay,</a:t>
+            </a:r>
+            <a:r>
+              <a:rPr lang="zh-CN" altLang="en-US" dirty="0"/>
+              <a:t> </a:t>
+            </a:r>
+            <a:r>
+              <a:rPr lang="en-US" altLang="zh-CN" dirty="0"/>
+              <a:t>let’s</a:t>
+            </a:r>
+            <a:r>
+              <a:rPr lang="zh-CN" altLang="en-US" dirty="0"/>
+              <a:t> </a:t>
+            </a:r>
+            <a:r>
+              <a:rPr lang="en-US" altLang="zh-CN" dirty="0"/>
+              <a:t>practice!</a:t>
+            </a:r>
+            <a:endParaRPr lang="en-US" dirty="0"/>
+          </a:p>
+        </p:txBody>
+      </p:sp>
+      <p:sp>
+        <p:nvSpPr>
+          <p:cNvPr id="329" name="Google Shape;329;p9:notes"/>
+          <p:cNvSpPr>
+            <a:spLocks noGrp="1" noRot="1" noChangeAspect="1"/>
+          </p:cNvSpPr>
+          <p:nvPr>
+            <p:ph type="sldImg" idx="2"/>
+          </p:nvPr>
+        </p:nvSpPr>
+        <p:spPr>
+          <a:xfrm>
+            <a:off x="685800" y="1143000"/>
+            <a:ext cx="5486400" cy="3086100"/>
+          </a:xfrm>
+          <a:custGeom>
+            <a:avLst/>
+            <a:gdLst/>
+            <a:ahLst/>
+            <a:cxnLst/>
+            <a:rect l="l" t="t" r="r" b="b"/>
+            <a:pathLst>
+              <a:path w="120000" h="120000" extrusionOk="0">
+                <a:moveTo>
+                  <a:pt x="0" y="0"/>
+                </a:moveTo>
+                <a:lnTo>
+                  <a:pt x="120000" y="0"/>
+                </a:lnTo>
+                <a:lnTo>
+                  <a:pt x="120000" y="120000"/>
+                </a:lnTo>
+                <a:lnTo>
+                  <a:pt x="0" y="120000"/>
+                </a:lnTo>
+                <a:close/>
+              </a:path>
+            </a:pathLst>
+          </a:custGeom>
+        </p:spPr>
+      </p:sp>
+    </p:spTree>
+  </p:cSld>
+  <p:clrMapOvr>
+    <a:masterClrMapping/>
+  </p:clrMapOvr>
+</p:notes>
 </file>
 
 <file path=ppt/slideLayouts/slideLayout1.xml><?xml version="1.0" encoding="utf-8"?>
@@ -257,7 +1277,7 @@
           <a:p>
             <a:fld id="{68035068-BEAA-F042-9F81-225CABA2B9DA}" type="datetimeFigureOut">
               <a:rPr lang="en-US" smtClean="0"/>
-              <a:t>1/30/24</a:t>
+              <a:t>4/8/24</a:t>
             </a:fld>
             <a:endParaRPr lang="en-US"/>
           </a:p>
@@ -455,7 +1475,7 @@
           <a:p>
             <a:fld id="{68035068-BEAA-F042-9F81-225CABA2B9DA}" type="datetimeFigureOut">
               <a:rPr lang="en-US" smtClean="0"/>
-              <a:t>1/30/24</a:t>
+              <a:t>4/8/24</a:t>
             </a:fld>
             <a:endParaRPr lang="en-US"/>
           </a:p>
@@ -663,7 +1683,7 @@
           <a:p>
             <a:fld id="{68035068-BEAA-F042-9F81-225CABA2B9DA}" type="datetimeFigureOut">
               <a:rPr lang="en-US" smtClean="0"/>
-              <a:t>1/30/24</a:t>
+              <a:t>4/8/24</a:t>
             </a:fld>
             <a:endParaRPr lang="en-US"/>
           </a:p>
@@ -861,7 +1881,7 @@
           <a:p>
             <a:fld id="{68035068-BEAA-F042-9F81-225CABA2B9DA}" type="datetimeFigureOut">
               <a:rPr lang="en-US" smtClean="0"/>
-              <a:t>1/30/24</a:t>
+              <a:t>4/8/24</a:t>
             </a:fld>
             <a:endParaRPr lang="en-US"/>
           </a:p>
@@ -1136,7 +2156,7 @@
           <a:p>
             <a:fld id="{68035068-BEAA-F042-9F81-225CABA2B9DA}" type="datetimeFigureOut">
               <a:rPr lang="en-US" smtClean="0"/>
-              <a:t>1/30/24</a:t>
+              <a:t>4/8/24</a:t>
             </a:fld>
             <a:endParaRPr lang="en-US"/>
           </a:p>
@@ -1401,7 +2421,7 @@
           <a:p>
             <a:fld id="{68035068-BEAA-F042-9F81-225CABA2B9DA}" type="datetimeFigureOut">
               <a:rPr lang="en-US" smtClean="0"/>
-              <a:t>1/30/24</a:t>
+              <a:t>4/8/24</a:t>
             </a:fld>
             <a:endParaRPr lang="en-US"/>
           </a:p>
@@ -1813,7 +2833,7 @@
           <a:p>
             <a:fld id="{68035068-BEAA-F042-9F81-225CABA2B9DA}" type="datetimeFigureOut">
               <a:rPr lang="en-US" smtClean="0"/>
-              <a:t>1/30/24</a:t>
+              <a:t>4/8/24</a:t>
             </a:fld>
             <a:endParaRPr lang="en-US"/>
           </a:p>
@@ -1954,7 +2974,7 @@
           <a:p>
             <a:fld id="{68035068-BEAA-F042-9F81-225CABA2B9DA}" type="datetimeFigureOut">
               <a:rPr lang="en-US" smtClean="0"/>
-              <a:t>1/30/24</a:t>
+              <a:t>4/8/24</a:t>
             </a:fld>
             <a:endParaRPr lang="en-US"/>
           </a:p>
@@ -2067,7 +3087,7 @@
           <a:p>
             <a:fld id="{68035068-BEAA-F042-9F81-225CABA2B9DA}" type="datetimeFigureOut">
               <a:rPr lang="en-US" smtClean="0"/>
-              <a:t>1/30/24</a:t>
+              <a:t>4/8/24</a:t>
             </a:fld>
             <a:endParaRPr lang="en-US"/>
           </a:p>
@@ -2378,7 +3398,7 @@
           <a:p>
             <a:fld id="{68035068-BEAA-F042-9F81-225CABA2B9DA}" type="datetimeFigureOut">
               <a:rPr lang="en-US" smtClean="0"/>
-              <a:t>1/30/24</a:t>
+              <a:t>4/8/24</a:t>
             </a:fld>
             <a:endParaRPr lang="en-US"/>
           </a:p>
@@ -2666,7 +3686,7 @@
           <a:p>
             <a:fld id="{68035068-BEAA-F042-9F81-225CABA2B9DA}" type="datetimeFigureOut">
               <a:rPr lang="en-US" smtClean="0"/>
-              <a:t>1/30/24</a:t>
+              <a:t>4/8/24</a:t>
             </a:fld>
             <a:endParaRPr lang="en-US"/>
           </a:p>
@@ -2907,7 +3927,7 @@
           <a:p>
             <a:fld id="{68035068-BEAA-F042-9F81-225CABA2B9DA}" type="datetimeFigureOut">
               <a:rPr lang="en-US" smtClean="0"/>
-              <a:t>1/30/24</a:t>
+              <a:t>4/8/24</a:t>
             </a:fld>
             <a:endParaRPr lang="en-US"/>
           </a:p>
@@ -32818,6 +33838,809 @@
 </p:sld>
 </file>
 
+<file path=ppt/slides/slide5.xml><?xml version="1.0" encoding="utf-8"?>
+<p:sld xmlns:a="http://schemas.openxmlformats.org/drawingml/2006/main" xmlns:r="http://schemas.openxmlformats.org/officeDocument/2006/relationships" xmlns:p="http://schemas.openxmlformats.org/presentationml/2006/main">
+  <p:cSld>
+    <p:spTree>
+      <p:nvGrpSpPr>
+        <p:cNvPr id="1" name="Shape 330"/>
+        <p:cNvGrpSpPr/>
+        <p:nvPr/>
+      </p:nvGrpSpPr>
+      <p:grpSpPr>
+        <a:xfrm>
+          <a:off x="0" y="0"/>
+          <a:ext cx="0" cy="0"/>
+          <a:chOff x="0" y="0"/>
+          <a:chExt cx="0" cy="0"/>
+        </a:xfrm>
+      </p:grpSpPr>
+      <p:pic>
+        <p:nvPicPr>
+          <p:cNvPr id="4" name="Google Shape;331;p9" descr="Free Arrow Key Cliparts, Download Free Clip Art, Free Clip Art on Clipart  Library">
+            <a:extLst>
+              <a:ext uri="{FF2B5EF4-FFF2-40B4-BE49-F238E27FC236}">
+                <a16:creationId xmlns:a16="http://schemas.microsoft.com/office/drawing/2014/main" id="{DF6A6AE9-34D5-2C29-3F9A-E7129E6A03FC}"/>
+              </a:ext>
+            </a:extLst>
+          </p:cNvPr>
+          <p:cNvPicPr preferRelativeResize="0"/>
+          <p:nvPr/>
+        </p:nvPicPr>
+        <p:blipFill rotWithShape="1">
+          <a:blip r:embed="rId6">
+            <a:alphaModFix/>
+          </a:blip>
+          <a:srcRect t="47831" r="64310"/>
+          <a:stretch/>
+        </p:blipFill>
+        <p:spPr>
+          <a:xfrm>
+            <a:off x="4312549" y="2297151"/>
+            <a:ext cx="1084643" cy="1089914"/>
+          </a:xfrm>
+          <a:prstGeom prst="rect">
+            <a:avLst/>
+          </a:prstGeom>
+          <a:noFill/>
+          <a:ln>
+            <a:noFill/>
+          </a:ln>
+        </p:spPr>
+      </p:pic>
+      <p:pic>
+        <p:nvPicPr>
+          <p:cNvPr id="5" name="Google Shape;331;p9" descr="Free Arrow Key Cliparts, Download Free Clip Art, Free Clip Art on Clipart  Library">
+            <a:extLst>
+              <a:ext uri="{FF2B5EF4-FFF2-40B4-BE49-F238E27FC236}">
+                <a16:creationId xmlns:a16="http://schemas.microsoft.com/office/drawing/2014/main" id="{10868EB0-EE23-4F22-24A9-D96EF68FE3E8}"/>
+              </a:ext>
+            </a:extLst>
+          </p:cNvPr>
+          <p:cNvPicPr preferRelativeResize="0"/>
+          <p:nvPr/>
+        </p:nvPicPr>
+        <p:blipFill rotWithShape="1">
+          <a:blip r:embed="rId6">
+            <a:alphaModFix/>
+          </a:blip>
+          <a:srcRect l="66879" t="47831"/>
+          <a:stretch/>
+        </p:blipFill>
+        <p:spPr>
+          <a:xfrm>
+            <a:off x="6779948" y="2297151"/>
+            <a:ext cx="1006558" cy="1089914"/>
+          </a:xfrm>
+          <a:prstGeom prst="rect">
+            <a:avLst/>
+          </a:prstGeom>
+          <a:noFill/>
+          <a:ln>
+            <a:noFill/>
+          </a:ln>
+        </p:spPr>
+      </p:pic>
+      <p:pic>
+        <p:nvPicPr>
+          <p:cNvPr id="336" name="Google Shape;336;p9" descr="Icon&#10;&#10;Description automatically generated"/>
+          <p:cNvPicPr preferRelativeResize="0"/>
+          <p:nvPr/>
+        </p:nvPicPr>
+        <p:blipFill rotWithShape="1">
+          <a:blip r:embed="rId7">
+            <a:alphaModFix/>
+          </a:blip>
+          <a:srcRect/>
+          <a:stretch/>
+        </p:blipFill>
+        <p:spPr>
+          <a:xfrm>
+            <a:off x="2480019" y="3021810"/>
+            <a:ext cx="4155818" cy="3342732"/>
+          </a:xfrm>
+          <a:prstGeom prst="rect">
+            <a:avLst/>
+          </a:prstGeom>
+          <a:noFill/>
+          <a:ln>
+            <a:noFill/>
+          </a:ln>
+        </p:spPr>
+      </p:pic>
+      <p:pic>
+        <p:nvPicPr>
+          <p:cNvPr id="337" name="Google Shape;337;p9" descr="Icon&#10;&#10;Description automatically generated"/>
+          <p:cNvPicPr preferRelativeResize="0"/>
+          <p:nvPr/>
+        </p:nvPicPr>
+        <p:blipFill rotWithShape="1">
+          <a:blip r:embed="rId8">
+            <a:alphaModFix/>
+          </a:blip>
+          <a:srcRect/>
+          <a:stretch/>
+        </p:blipFill>
+        <p:spPr>
+          <a:xfrm>
+            <a:off x="5551990" y="3021810"/>
+            <a:ext cx="4155818" cy="3342732"/>
+          </a:xfrm>
+          <a:prstGeom prst="rect">
+            <a:avLst/>
+          </a:prstGeom>
+          <a:noFill/>
+          <a:ln>
+            <a:noFill/>
+          </a:ln>
+        </p:spPr>
+      </p:pic>
+      <p:sp>
+        <p:nvSpPr>
+          <p:cNvPr id="6" name="Rectangle 5">
+            <a:extLst>
+              <a:ext uri="{FF2B5EF4-FFF2-40B4-BE49-F238E27FC236}">
+                <a16:creationId xmlns:a16="http://schemas.microsoft.com/office/drawing/2014/main" id="{6707EBB1-EE5F-177A-691B-83D99493FA72}"/>
+              </a:ext>
+            </a:extLst>
+          </p:cNvPr>
+          <p:cNvSpPr>
+            <a:spLocks noChangeAspect="1"/>
+          </p:cNvSpPr>
+          <p:nvPr/>
+        </p:nvSpPr>
+        <p:spPr>
+          <a:xfrm>
+            <a:off x="2793154" y="106022"/>
+            <a:ext cx="1519395" cy="1828800"/>
+          </a:xfrm>
+          <a:prstGeom prst="rect">
+            <a:avLst/>
+          </a:prstGeom>
+        </p:spPr>
+        <p:style>
+          <a:lnRef idx="1">
+            <a:schemeClr val="accent1"/>
+          </a:lnRef>
+          <a:fillRef idx="3">
+            <a:schemeClr val="accent1"/>
+          </a:fillRef>
+          <a:effectRef idx="2">
+            <a:schemeClr val="accent1"/>
+          </a:effectRef>
+          <a:fontRef idx="minor">
+            <a:schemeClr val="lt1"/>
+          </a:fontRef>
+        </p:style>
+        <p:txBody>
+          <a:bodyPr rtlCol="0" anchor="ctr"/>
+          <a:lstStyle/>
+          <a:p>
+            <a:pPr marL="0" marR="0" lvl="0" indent="0" algn="ctr" defTabSz="914400" rtl="0" eaLnBrk="1" fontAlgn="auto" latinLnBrk="0" hangingPunct="1">
+              <a:lnSpc>
+                <a:spcPct val="100000"/>
+              </a:lnSpc>
+              <a:spcBef>
+                <a:spcPts val="0"/>
+              </a:spcBef>
+              <a:spcAft>
+                <a:spcPts val="0"/>
+              </a:spcAft>
+              <a:buClrTx/>
+              <a:buSzTx/>
+              <a:buFontTx/>
+              <a:buNone/>
+              <a:tabLst/>
+              <a:defRPr/>
+            </a:pPr>
+            <a:endParaRPr kumimoji="0" lang="en-US" sz="1800" b="0" i="0" u="none" strike="noStrike" kern="1200" cap="none" spc="0" normalizeH="0" baseline="0" noProof="0" dirty="0">
+              <a:ln>
+                <a:noFill/>
+              </a:ln>
+              <a:solidFill>
+                <a:prstClr val="white"/>
+              </a:solidFill>
+              <a:effectLst/>
+              <a:uLnTx/>
+              <a:uFillTx/>
+              <a:latin typeface="Calibri"/>
+              <a:ea typeface="+mn-ea"/>
+              <a:cs typeface="+mn-cs"/>
+            </a:endParaRPr>
+          </a:p>
+        </p:txBody>
+      </p:sp>
+      <p:sp>
+        <p:nvSpPr>
+          <p:cNvPr id="7" name="Rectangle 6">
+            <a:extLst>
+              <a:ext uri="{FF2B5EF4-FFF2-40B4-BE49-F238E27FC236}">
+                <a16:creationId xmlns:a16="http://schemas.microsoft.com/office/drawing/2014/main" id="{0B6CEB4F-DD91-286D-3AB4-395F90863A1D}"/>
+              </a:ext>
+            </a:extLst>
+          </p:cNvPr>
+          <p:cNvSpPr>
+            <a:spLocks noChangeAspect="1"/>
+          </p:cNvSpPr>
+          <p:nvPr/>
+        </p:nvSpPr>
+        <p:spPr>
+          <a:xfrm>
+            <a:off x="7760107" y="106022"/>
+            <a:ext cx="1519395" cy="1828800"/>
+          </a:xfrm>
+          <a:prstGeom prst="rect">
+            <a:avLst/>
+          </a:prstGeom>
+        </p:spPr>
+        <p:style>
+          <a:lnRef idx="2">
+            <a:schemeClr val="accent6">
+              <a:shade val="50000"/>
+            </a:schemeClr>
+          </a:lnRef>
+          <a:fillRef idx="1">
+            <a:schemeClr val="accent6"/>
+          </a:fillRef>
+          <a:effectRef idx="0">
+            <a:schemeClr val="accent6"/>
+          </a:effectRef>
+          <a:fontRef idx="minor">
+            <a:schemeClr val="lt1"/>
+          </a:fontRef>
+        </p:style>
+        <p:txBody>
+          <a:bodyPr rtlCol="0" anchor="ctr"/>
+          <a:lstStyle/>
+          <a:p>
+            <a:pPr marL="0" marR="0" lvl="0" indent="0" algn="l" defTabSz="914400" rtl="0" eaLnBrk="1" fontAlgn="auto" latinLnBrk="0" hangingPunct="1">
+              <a:lnSpc>
+                <a:spcPct val="100000"/>
+              </a:lnSpc>
+              <a:spcBef>
+                <a:spcPts val="0"/>
+              </a:spcBef>
+              <a:spcAft>
+                <a:spcPts val="0"/>
+              </a:spcAft>
+              <a:buClrTx/>
+              <a:buSzTx/>
+              <a:buFontTx/>
+              <a:buNone/>
+              <a:tabLst/>
+              <a:defRPr/>
+            </a:pPr>
+            <a:endParaRPr kumimoji="0" lang="en-US" sz="5400" b="0" i="0" u="none" strike="noStrike" kern="1200" cap="none" spc="0" normalizeH="0" baseline="0" noProof="0" dirty="0">
+              <a:ln>
+                <a:noFill/>
+              </a:ln>
+              <a:solidFill>
+                <a:prstClr val="white"/>
+              </a:solidFill>
+              <a:effectLst/>
+              <a:uLnTx/>
+              <a:uFillTx/>
+              <a:latin typeface="Calibri"/>
+              <a:ea typeface="+mn-ea"/>
+              <a:cs typeface="+mn-cs"/>
+            </a:endParaRPr>
+          </a:p>
+        </p:txBody>
+      </p:sp>
+      <p:pic>
+        <p:nvPicPr>
+          <p:cNvPr id="14" name="Audio 13">
+            <a:extLst>
+              <a:ext uri="{FF2B5EF4-FFF2-40B4-BE49-F238E27FC236}">
+                <a16:creationId xmlns:a16="http://schemas.microsoft.com/office/drawing/2014/main" id="{E3371A0A-C45E-0C03-3652-AF66FEBE406D}"/>
+              </a:ext>
+            </a:extLst>
+          </p:cNvPr>
+          <p:cNvPicPr>
+            <a:picLocks noChangeAspect="1"/>
+          </p:cNvPicPr>
+          <p:nvPr>
+            <a:audioFile r:link="rId3"/>
+            <p:extLst>
+              <p:ext uri="{DAA4B4D4-6D71-4841-9C94-3DE7FCFB9230}">
+                <p14:media xmlns:p14="http://schemas.microsoft.com/office/powerpoint/2010/main" r:embed="rId2"/>
+              </p:ext>
+            </p:extLst>
+          </p:nvPr>
+        </p:nvPicPr>
+        <p:blipFill>
+          <a:blip r:embed="rId9"/>
+          <a:stretch>
+            <a:fillRect/>
+          </a:stretch>
+        </p:blipFill>
+        <p:spPr>
+          <a:xfrm>
+            <a:off x="11226800" y="5892800"/>
+            <a:ext cx="812800" cy="812800"/>
+          </a:xfrm>
+          <a:prstGeom prst="rect">
+            <a:avLst/>
+          </a:prstGeom>
+        </p:spPr>
+      </p:pic>
+      <p:sp>
+        <p:nvSpPr>
+          <p:cNvPr id="2" name="TextBox 1">
+            <a:extLst>
+              <a:ext uri="{FF2B5EF4-FFF2-40B4-BE49-F238E27FC236}">
+                <a16:creationId xmlns:a16="http://schemas.microsoft.com/office/drawing/2014/main" id="{A456B534-CF45-C012-E3CC-43E610720125}"/>
+              </a:ext>
+            </a:extLst>
+          </p:cNvPr>
+          <p:cNvSpPr txBox="1"/>
+          <p:nvPr/>
+        </p:nvSpPr>
+        <p:spPr>
+          <a:xfrm>
+            <a:off x="5675288" y="512590"/>
+            <a:ext cx="680038" cy="1015663"/>
+          </a:xfrm>
+          <a:prstGeom prst="rect">
+            <a:avLst/>
+          </a:prstGeom>
+          <a:noFill/>
+        </p:spPr>
+        <p:txBody>
+          <a:bodyPr wrap="square" rtlCol="0">
+            <a:spAutoFit/>
+          </a:bodyPr>
+          <a:lstStyle/>
+          <a:p>
+            <a:pPr marL="0" marR="0" lvl="0" indent="0" algn="l" defTabSz="914400" rtl="0" eaLnBrk="1" fontAlgn="auto" latinLnBrk="0" hangingPunct="1">
+              <a:lnSpc>
+                <a:spcPct val="100000"/>
+              </a:lnSpc>
+              <a:spcBef>
+                <a:spcPts val="0"/>
+              </a:spcBef>
+              <a:spcAft>
+                <a:spcPts val="0"/>
+              </a:spcAft>
+              <a:buClrTx/>
+              <a:buSzTx/>
+              <a:buFontTx/>
+              <a:buNone/>
+              <a:tabLst/>
+              <a:defRPr/>
+            </a:pPr>
+            <a:r>
+              <a:rPr kumimoji="0" lang="en-US" sz="6000" b="0" i="0" u="none" strike="noStrike" kern="1200" cap="none" spc="0" normalizeH="0" baseline="0" noProof="0" dirty="0">
+                <a:ln>
+                  <a:noFill/>
+                </a:ln>
+                <a:solidFill>
+                  <a:srgbClr val="000000"/>
+                </a:solidFill>
+                <a:effectLst/>
+                <a:uLnTx/>
+                <a:uFillTx/>
+                <a:latin typeface="Arial" panose="020B0604020202020204" pitchFamily="34" charset="0"/>
+                <a:ea typeface="+mn-ea"/>
+                <a:cs typeface="+mn-cs"/>
+              </a:rPr>
+              <a:t>+</a:t>
+            </a:r>
+            <a:endParaRPr kumimoji="0" lang="en-US" sz="6000" b="0" i="0" u="none" strike="noStrike" kern="1200" cap="none" spc="0" normalizeH="0" baseline="0" noProof="0" dirty="0">
+              <a:ln>
+                <a:noFill/>
+              </a:ln>
+              <a:solidFill>
+                <a:prstClr val="black"/>
+              </a:solidFill>
+              <a:effectLst/>
+              <a:uLnTx/>
+              <a:uFillTx/>
+              <a:latin typeface="Calibri"/>
+              <a:ea typeface="+mn-ea"/>
+              <a:cs typeface="+mn-cs"/>
+            </a:endParaRPr>
+          </a:p>
+        </p:txBody>
+      </p:sp>
+    </p:spTree>
+    <p:custDataLst>
+      <p:tags r:id="rId1"/>
+    </p:custDataLst>
+  </p:cSld>
+  <p:clrMapOvr>
+    <a:masterClrMapping/>
+  </p:clrMapOvr>
+  <mc:AlternateContent xmlns:mc="http://schemas.openxmlformats.org/markup-compatibility/2006" xmlns:p14="http://schemas.microsoft.com/office/powerpoint/2010/main">
+    <mc:Choice Requires="p14">
+      <p:transition spd="slow" p14:dur="2000" advTm="29832"/>
+    </mc:Choice>
+    <mc:Fallback xmlns="">
+      <p:transition spd="slow" advTm="29832"/>
+    </mc:Fallback>
+  </mc:AlternateContent>
+  <p:timing>
+    <p:tnLst>
+      <p:par>
+        <p:cTn id="1" dur="indefinite" restart="never" nodeType="tmRoot">
+          <p:childTnLst>
+            <p:seq concurrent="1" nextAc="seek">
+              <p:cTn id="2" dur="indefinite" nodeType="mainSeq">
+                <p:childTnLst>
+                  <p:par>
+                    <p:cTn id="3" fill="hold">
+                      <p:stCondLst>
+                        <p:cond delay="indefinite"/>
+                        <p:cond evt="onBegin" delay="0">
+                          <p:tn val="2"/>
+                        </p:cond>
+                      </p:stCondLst>
+                      <p:childTnLst>
+                        <p:par>
+                          <p:cTn id="4" fill="hold">
+                            <p:stCondLst>
+                              <p:cond delay="0"/>
+                            </p:stCondLst>
+                            <p:childTnLst>
+                              <p:par>
+                                <p:cTn id="5" presetID="1" presetClass="mediacall" presetSubtype="0" fill="hold" nodeType="afterEffect">
+                                  <p:stCondLst>
+                                    <p:cond delay="0"/>
+                                  </p:stCondLst>
+                                  <p:childTnLst>
+                                    <p:cmd type="call" cmd="playFrom(0.0)">
+                                      <p:cBhvr>
+                                        <p:cTn id="6" dur="1" fill="hold"/>
+                                        <p:tgtEl>
+                                          <p:spTgt spid="14"/>
+                                        </p:tgtEl>
+                                      </p:cBhvr>
+                                    </p:cmd>
+                                  </p:childTnLst>
+                                </p:cTn>
+                              </p:par>
+                            </p:childTnLst>
+                          </p:cTn>
+                        </p:par>
+                      </p:childTnLst>
+                    </p:cTn>
+                  </p:par>
+                  <p:par>
+                    <p:cTn id="7" fill="hold">
+                      <p:stCondLst>
+                        <p:cond delay="indefinite"/>
+                      </p:stCondLst>
+                      <p:childTnLst>
+                        <p:par>
+                          <p:cTn id="8" fill="hold">
+                            <p:stCondLst>
+                              <p:cond delay="0"/>
+                            </p:stCondLst>
+                            <p:childTnLst>
+                              <p:par>
+                                <p:cTn id="9" presetID="9" presetClass="entr" presetSubtype="0" fill="hold" nodeType="clickEffect">
+                                  <p:stCondLst>
+                                    <p:cond delay="0"/>
+                                  </p:stCondLst>
+                                  <p:childTnLst>
+                                    <p:set>
+                                      <p:cBhvr>
+                                        <p:cTn id="10" dur="1" fill="hold">
+                                          <p:stCondLst>
+                                            <p:cond delay="0"/>
+                                          </p:stCondLst>
+                                        </p:cTn>
+                                        <p:tgtEl>
+                                          <p:spTgt spid="4"/>
+                                        </p:tgtEl>
+                                        <p:attrNameLst>
+                                          <p:attrName>style.visibility</p:attrName>
+                                        </p:attrNameLst>
+                                      </p:cBhvr>
+                                      <p:to>
+                                        <p:strVal val="visible"/>
+                                      </p:to>
+                                    </p:set>
+                                    <p:animEffect transition="in" filter="dissolve">
+                                      <p:cBhvr>
+                                        <p:cTn id="11" dur="500"/>
+                                        <p:tgtEl>
+                                          <p:spTgt spid="4"/>
+                                        </p:tgtEl>
+                                      </p:cBhvr>
+                                    </p:animEffect>
+                                  </p:childTnLst>
+                                </p:cTn>
+                              </p:par>
+                              <p:par>
+                                <p:cTn id="12" presetID="9" presetClass="entr" presetSubtype="0" fill="hold" grpId="0" nodeType="withEffect">
+                                  <p:stCondLst>
+                                    <p:cond delay="0"/>
+                                  </p:stCondLst>
+                                  <p:childTnLst>
+                                    <p:set>
+                                      <p:cBhvr>
+                                        <p:cTn id="13" dur="1" fill="hold">
+                                          <p:stCondLst>
+                                            <p:cond delay="0"/>
+                                          </p:stCondLst>
+                                        </p:cTn>
+                                        <p:tgtEl>
+                                          <p:spTgt spid="6"/>
+                                        </p:tgtEl>
+                                        <p:attrNameLst>
+                                          <p:attrName>style.visibility</p:attrName>
+                                        </p:attrNameLst>
+                                      </p:cBhvr>
+                                      <p:to>
+                                        <p:strVal val="visible"/>
+                                      </p:to>
+                                    </p:set>
+                                    <p:animEffect transition="in" filter="dissolve">
+                                      <p:cBhvr>
+                                        <p:cTn id="14" dur="500"/>
+                                        <p:tgtEl>
+                                          <p:spTgt spid="6"/>
+                                        </p:tgtEl>
+                                      </p:cBhvr>
+                                    </p:animEffect>
+                                  </p:childTnLst>
+                                </p:cTn>
+                              </p:par>
+                            </p:childTnLst>
+                          </p:cTn>
+                        </p:par>
+                      </p:childTnLst>
+                    </p:cTn>
+                  </p:par>
+                  <p:par>
+                    <p:cTn id="15" fill="hold">
+                      <p:stCondLst>
+                        <p:cond delay="indefinite"/>
+                      </p:stCondLst>
+                      <p:childTnLst>
+                        <p:par>
+                          <p:cTn id="16" fill="hold">
+                            <p:stCondLst>
+                              <p:cond delay="0"/>
+                            </p:stCondLst>
+                            <p:childTnLst>
+                              <p:par>
+                                <p:cTn id="17" presetID="9" presetClass="entr" presetSubtype="0" fill="hold" nodeType="clickEffect">
+                                  <p:stCondLst>
+                                    <p:cond delay="0"/>
+                                  </p:stCondLst>
+                                  <p:childTnLst>
+                                    <p:set>
+                                      <p:cBhvr>
+                                        <p:cTn id="18" dur="1" fill="hold">
+                                          <p:stCondLst>
+                                            <p:cond delay="0"/>
+                                          </p:stCondLst>
+                                        </p:cTn>
+                                        <p:tgtEl>
+                                          <p:spTgt spid="5"/>
+                                        </p:tgtEl>
+                                        <p:attrNameLst>
+                                          <p:attrName>style.visibility</p:attrName>
+                                        </p:attrNameLst>
+                                      </p:cBhvr>
+                                      <p:to>
+                                        <p:strVal val="visible"/>
+                                      </p:to>
+                                    </p:set>
+                                    <p:animEffect transition="in" filter="dissolve">
+                                      <p:cBhvr>
+                                        <p:cTn id="19" dur="500"/>
+                                        <p:tgtEl>
+                                          <p:spTgt spid="5"/>
+                                        </p:tgtEl>
+                                      </p:cBhvr>
+                                    </p:animEffect>
+                                  </p:childTnLst>
+                                </p:cTn>
+                              </p:par>
+                              <p:par>
+                                <p:cTn id="20" presetID="9" presetClass="entr" presetSubtype="0" fill="hold" grpId="0" nodeType="withEffect">
+                                  <p:stCondLst>
+                                    <p:cond delay="0"/>
+                                  </p:stCondLst>
+                                  <p:childTnLst>
+                                    <p:set>
+                                      <p:cBhvr>
+                                        <p:cTn id="21" dur="1" fill="hold">
+                                          <p:stCondLst>
+                                            <p:cond delay="0"/>
+                                          </p:stCondLst>
+                                        </p:cTn>
+                                        <p:tgtEl>
+                                          <p:spTgt spid="7"/>
+                                        </p:tgtEl>
+                                        <p:attrNameLst>
+                                          <p:attrName>style.visibility</p:attrName>
+                                        </p:attrNameLst>
+                                      </p:cBhvr>
+                                      <p:to>
+                                        <p:strVal val="visible"/>
+                                      </p:to>
+                                    </p:set>
+                                    <p:animEffect transition="in" filter="dissolve">
+                                      <p:cBhvr>
+                                        <p:cTn id="22" dur="500"/>
+                                        <p:tgtEl>
+                                          <p:spTgt spid="7"/>
+                                        </p:tgtEl>
+                                      </p:cBhvr>
+                                    </p:animEffect>
+                                  </p:childTnLst>
+                                </p:cTn>
+                              </p:par>
+                            </p:childTnLst>
+                          </p:cTn>
+                        </p:par>
+                      </p:childTnLst>
+                    </p:cTn>
+                  </p:par>
+                  <p:par>
+                    <p:cTn id="23" fill="hold">
+                      <p:stCondLst>
+                        <p:cond delay="indefinite"/>
+                      </p:stCondLst>
+                      <p:childTnLst>
+                        <p:par>
+                          <p:cTn id="24" fill="hold">
+                            <p:stCondLst>
+                              <p:cond delay="0"/>
+                            </p:stCondLst>
+                            <p:childTnLst>
+                              <p:par>
+                                <p:cTn id="25" presetID="9" presetClass="entr" presetSubtype="0" fill="hold" nodeType="clickEffect">
+                                  <p:stCondLst>
+                                    <p:cond delay="0"/>
+                                  </p:stCondLst>
+                                  <p:childTnLst>
+                                    <p:set>
+                                      <p:cBhvr>
+                                        <p:cTn id="26" dur="1" fill="hold">
+                                          <p:stCondLst>
+                                            <p:cond delay="0"/>
+                                          </p:stCondLst>
+                                        </p:cTn>
+                                        <p:tgtEl>
+                                          <p:spTgt spid="336"/>
+                                        </p:tgtEl>
+                                        <p:attrNameLst>
+                                          <p:attrName>style.visibility</p:attrName>
+                                        </p:attrNameLst>
+                                      </p:cBhvr>
+                                      <p:to>
+                                        <p:strVal val="visible"/>
+                                      </p:to>
+                                    </p:set>
+                                    <p:animEffect transition="in" filter="dissolve">
+                                      <p:cBhvr>
+                                        <p:cTn id="27" dur="500"/>
+                                        <p:tgtEl>
+                                          <p:spTgt spid="336"/>
+                                        </p:tgtEl>
+                                      </p:cBhvr>
+                                    </p:animEffect>
+                                  </p:childTnLst>
+                                </p:cTn>
+                              </p:par>
+                            </p:childTnLst>
+                          </p:cTn>
+                        </p:par>
+                      </p:childTnLst>
+                    </p:cTn>
+                  </p:par>
+                  <p:par>
+                    <p:cTn id="28" fill="hold">
+                      <p:stCondLst>
+                        <p:cond delay="indefinite"/>
+                      </p:stCondLst>
+                      <p:childTnLst>
+                        <p:par>
+                          <p:cTn id="29" fill="hold">
+                            <p:stCondLst>
+                              <p:cond delay="0"/>
+                            </p:stCondLst>
+                            <p:childTnLst>
+                              <p:par>
+                                <p:cTn id="30" presetID="9" presetClass="entr" presetSubtype="0" fill="hold" nodeType="clickEffect">
+                                  <p:stCondLst>
+                                    <p:cond delay="0"/>
+                                  </p:stCondLst>
+                                  <p:childTnLst>
+                                    <p:set>
+                                      <p:cBhvr>
+                                        <p:cTn id="31" dur="1" fill="hold">
+                                          <p:stCondLst>
+                                            <p:cond delay="0"/>
+                                          </p:stCondLst>
+                                        </p:cTn>
+                                        <p:tgtEl>
+                                          <p:spTgt spid="337"/>
+                                        </p:tgtEl>
+                                        <p:attrNameLst>
+                                          <p:attrName>style.visibility</p:attrName>
+                                        </p:attrNameLst>
+                                      </p:cBhvr>
+                                      <p:to>
+                                        <p:strVal val="visible"/>
+                                      </p:to>
+                                    </p:set>
+                                    <p:animEffect transition="in" filter="dissolve">
+                                      <p:cBhvr>
+                                        <p:cTn id="32" dur="500"/>
+                                        <p:tgtEl>
+                                          <p:spTgt spid="337"/>
+                                        </p:tgtEl>
+                                      </p:cBhvr>
+                                    </p:animEffect>
+                                  </p:childTnLst>
+                                </p:cTn>
+                              </p:par>
+                            </p:childTnLst>
+                          </p:cTn>
+                        </p:par>
+                      </p:childTnLst>
+                    </p:cTn>
+                  </p:par>
+                </p:childTnLst>
+              </p:cTn>
+              <p:prevCondLst>
+                <p:cond evt="onPrev" delay="0">
+                  <p:tgtEl>
+                    <p:sldTgt/>
+                  </p:tgtEl>
+                </p:cond>
+              </p:prevCondLst>
+              <p:nextCondLst>
+                <p:cond evt="onNext" delay="0">
+                  <p:tgtEl>
+                    <p:sldTgt/>
+                  </p:tgtEl>
+                </p:cond>
+              </p:nextCondLst>
+            </p:seq>
+            <p:audio isNarration="1">
+              <p:cMediaNode vol="80000" showWhenStopped="0">
+                <p:cTn id="33" fill="hold" display="0">
+                  <p:stCondLst>
+                    <p:cond delay="indefinite"/>
+                  </p:stCondLst>
+                  <p:endCondLst>
+                    <p:cond evt="onStopAudio" delay="0">
+                      <p:tgtEl>
+                        <p:sldTgt/>
+                      </p:tgtEl>
+                    </p:cond>
+                  </p:endCondLst>
+                </p:cTn>
+                <p:tgtEl>
+                  <p:spTgt spid="14"/>
+                </p:tgtEl>
+              </p:cMediaNode>
+            </p:audio>
+          </p:childTnLst>
+        </p:cTn>
+      </p:par>
+    </p:tnLst>
+    <p:bldLst>
+      <p:bldP spid="6" grpId="0" animBg="1"/>
+      <p:bldP spid="7" grpId="0" animBg="1"/>
+    </p:bldLst>
+  </p:timing>
+</p:sld>
+</file>
+
+<file path=ppt/tags/tag1.xml><?xml version="1.0" encoding="utf-8"?>
+<p:tagLst xmlns:a="http://schemas.openxmlformats.org/drawingml/2006/main" xmlns:r="http://schemas.openxmlformats.org/officeDocument/2006/relationships" xmlns:p="http://schemas.openxmlformats.org/presentationml/2006/main">
+  <p:tag name="TIMING" val="|2.4|4.6|5.7|8.4"/>
+</p:tagLst>
+</file>
+
 <file path=ppt/theme/theme1.xml><?xml version="1.0" encoding="utf-8"?>
 <a:theme xmlns:a="http://schemas.openxmlformats.org/drawingml/2006/main" name="Office Theme">
   <a:themeElements>
@@ -33111,4 +34934,319 @@
     </a:ext>
   </a:extLst>
 </a:theme>
+</file>
+
+<file path=ppt/theme/theme2.xml><?xml version="1.0" encoding="utf-8"?>
+<a:theme xmlns:a="http://schemas.openxmlformats.org/drawingml/2006/main" name="Office Theme">
+  <a:themeElements>
+    <a:clrScheme name="Office">
+      <a:dk1>
+        <a:sysClr val="windowText" lastClr="000000"/>
+      </a:dk1>
+      <a:lt1>
+        <a:sysClr val="window" lastClr="FFFFFF"/>
+      </a:lt1>
+      <a:dk2>
+        <a:srgbClr val="0E2841"/>
+      </a:dk2>
+      <a:lt2>
+        <a:srgbClr val="E8E8E8"/>
+      </a:lt2>
+      <a:accent1>
+        <a:srgbClr val="156082"/>
+      </a:accent1>
+      <a:accent2>
+        <a:srgbClr val="E97132"/>
+      </a:accent2>
+      <a:accent3>
+        <a:srgbClr val="196B24"/>
+      </a:accent3>
+      <a:accent4>
+        <a:srgbClr val="0F9ED5"/>
+      </a:accent4>
+      <a:accent5>
+        <a:srgbClr val="A02B93"/>
+      </a:accent5>
+      <a:accent6>
+        <a:srgbClr val="4EA72E"/>
+      </a:accent6>
+      <a:hlink>
+        <a:srgbClr val="467886"/>
+      </a:hlink>
+      <a:folHlink>
+        <a:srgbClr val="96607D"/>
+      </a:folHlink>
+    </a:clrScheme>
+    <a:fontScheme name="Office">
+      <a:majorFont>
+        <a:latin typeface="Aptos Display" panose="02110004020202020204"/>
+        <a:ea typeface=""/>
+        <a:cs typeface=""/>
+        <a:font script="Jpan" typeface="游ゴシック Light"/>
+        <a:font script="Hang" typeface="맑은 고딕"/>
+        <a:font script="Hans" typeface="等线 Light"/>
+        <a:font script="Hant" typeface="新細明體"/>
+        <a:font script="Arab" typeface="Times New Roman"/>
+        <a:font script="Hebr" typeface="Times New Roman"/>
+        <a:font script="Thai" typeface="Angsana New"/>
+        <a:font script="Ethi" typeface="Nyala"/>
+        <a:font script="Beng" typeface="Vrinda"/>
+        <a:font script="Gujr" typeface="Shruti"/>
+        <a:font script="Khmr" typeface="MoolBoran"/>
+        <a:font script="Knda" typeface="Tunga"/>
+        <a:font script="Guru" typeface="Raavi"/>
+        <a:font script="Cans" typeface="Euphemia"/>
+        <a:font script="Cher" typeface="Plantagenet Cherokee"/>
+        <a:font script="Yiii" typeface="Microsoft Yi Baiti"/>
+        <a:font script="Tibt" typeface="Microsoft Himalaya"/>
+        <a:font script="Thaa" typeface="MV Boli"/>
+        <a:font script="Deva" typeface="Mangal"/>
+        <a:font script="Telu" typeface="Gautami"/>
+        <a:font script="Taml" typeface="Latha"/>
+        <a:font script="Syrc" typeface="Estrangelo Edessa"/>
+        <a:font script="Orya" typeface="Kalinga"/>
+        <a:font script="Mlym" typeface="Kartika"/>
+        <a:font script="Laoo" typeface="DokChampa"/>
+        <a:font script="Sinh" typeface="Iskoola Pota"/>
+        <a:font script="Mong" typeface="Mongolian Baiti"/>
+        <a:font script="Viet" typeface="Times New Roman"/>
+        <a:font script="Uigh" typeface="Microsoft Uighur"/>
+        <a:font script="Geor" typeface="Sylfaen"/>
+        <a:font script="Armn" typeface="Arial"/>
+        <a:font script="Bugi" typeface="Leelawadee UI"/>
+        <a:font script="Bopo" typeface="Microsoft JhengHei"/>
+        <a:font script="Java" typeface="Javanese Text"/>
+        <a:font script="Lisu" typeface="Segoe UI"/>
+        <a:font script="Mymr" typeface="Myanmar Text"/>
+        <a:font script="Nkoo" typeface="Ebrima"/>
+        <a:font script="Olck" typeface="Nirmala UI"/>
+        <a:font script="Osma" typeface="Ebrima"/>
+        <a:font script="Phag" typeface="Phagspa"/>
+        <a:font script="Syrn" typeface="Estrangelo Edessa"/>
+        <a:font script="Syrj" typeface="Estrangelo Edessa"/>
+        <a:font script="Syre" typeface="Estrangelo Edessa"/>
+        <a:font script="Sora" typeface="Nirmala UI"/>
+        <a:font script="Tale" typeface="Microsoft Tai Le"/>
+        <a:font script="Talu" typeface="Microsoft New Tai Lue"/>
+        <a:font script="Tfng" typeface="Ebrima"/>
+      </a:majorFont>
+      <a:minorFont>
+        <a:latin typeface="Aptos" panose="02110004020202020204"/>
+        <a:ea typeface=""/>
+        <a:cs typeface=""/>
+        <a:font script="Jpan" typeface="游ゴシック"/>
+        <a:font script="Hang" typeface="맑은 고딕"/>
+        <a:font script="Hans" typeface="等线"/>
+        <a:font script="Hant" typeface="新細明體"/>
+        <a:font script="Arab" typeface="Arial"/>
+        <a:font script="Hebr" typeface="Arial"/>
+        <a:font script="Thai" typeface="Cordia New"/>
+        <a:font script="Ethi" typeface="Nyala"/>
+        <a:font script="Beng" typeface="Vrinda"/>
+        <a:font script="Gujr" typeface="Shruti"/>
+        <a:font script="Khmr" typeface="DaunPenh"/>
+        <a:font script="Knda" typeface="Tunga"/>
+        <a:font script="Guru" typeface="Raavi"/>
+        <a:font script="Cans" typeface="Euphemia"/>
+        <a:font script="Cher" typeface="Plantagenet Cherokee"/>
+        <a:font script="Yiii" typeface="Microsoft Yi Baiti"/>
+        <a:font script="Tibt" typeface="Microsoft Himalaya"/>
+        <a:font script="Thaa" typeface="MV Boli"/>
+        <a:font script="Deva" typeface="Mangal"/>
+        <a:font script="Telu" typeface="Gautami"/>
+        <a:font script="Taml" typeface="Latha"/>
+        <a:font script="Syrc" typeface="Estrangelo Edessa"/>
+        <a:font script="Orya" typeface="Kalinga"/>
+        <a:font script="Mlym" typeface="Kartika"/>
+        <a:font script="Laoo" typeface="DokChampa"/>
+        <a:font script="Sinh" typeface="Iskoola Pota"/>
+        <a:font script="Mong" typeface="Mongolian Baiti"/>
+        <a:font script="Viet" typeface="Arial"/>
+        <a:font script="Uigh" typeface="Microsoft Uighur"/>
+        <a:font script="Geor" typeface="Sylfaen"/>
+        <a:font script="Armn" typeface="Arial"/>
+        <a:font script="Bugi" typeface="Leelawadee UI"/>
+        <a:font script="Bopo" typeface="Microsoft JhengHei"/>
+        <a:font script="Java" typeface="Javanese Text"/>
+        <a:font script="Lisu" typeface="Segoe UI"/>
+        <a:font script="Mymr" typeface="Myanmar Text"/>
+        <a:font script="Nkoo" typeface="Ebrima"/>
+        <a:font script="Olck" typeface="Nirmala UI"/>
+        <a:font script="Osma" typeface="Ebrima"/>
+        <a:font script="Phag" typeface="Phagspa"/>
+        <a:font script="Syrn" typeface="Estrangelo Edessa"/>
+        <a:font script="Syrj" typeface="Estrangelo Edessa"/>
+        <a:font script="Syre" typeface="Estrangelo Edessa"/>
+        <a:font script="Sora" typeface="Nirmala UI"/>
+        <a:font script="Tale" typeface="Microsoft Tai Le"/>
+        <a:font script="Talu" typeface="Microsoft New Tai Lue"/>
+        <a:font script="Tfng" typeface="Ebrima"/>
+      </a:minorFont>
+    </a:fontScheme>
+    <a:fmtScheme name="Office">
+      <a:fillStyleLst>
+        <a:solidFill>
+          <a:schemeClr val="phClr"/>
+        </a:solidFill>
+        <a:gradFill rotWithShape="1">
+          <a:gsLst>
+            <a:gs pos="0">
+              <a:schemeClr val="phClr">
+                <a:lumMod val="110000"/>
+                <a:satMod val="105000"/>
+                <a:tint val="67000"/>
+              </a:schemeClr>
+            </a:gs>
+            <a:gs pos="50000">
+              <a:schemeClr val="phClr">
+                <a:lumMod val="105000"/>
+                <a:satMod val="103000"/>
+                <a:tint val="73000"/>
+              </a:schemeClr>
+            </a:gs>
+            <a:gs pos="100000">
+              <a:schemeClr val="phClr">
+                <a:lumMod val="105000"/>
+                <a:satMod val="109000"/>
+                <a:tint val="81000"/>
+              </a:schemeClr>
+            </a:gs>
+          </a:gsLst>
+          <a:lin ang="5400000" scaled="0"/>
+        </a:gradFill>
+        <a:gradFill rotWithShape="1">
+          <a:gsLst>
+            <a:gs pos="0">
+              <a:schemeClr val="phClr">
+                <a:satMod val="103000"/>
+                <a:lumMod val="102000"/>
+                <a:tint val="94000"/>
+              </a:schemeClr>
+            </a:gs>
+            <a:gs pos="50000">
+              <a:schemeClr val="phClr">
+                <a:satMod val="110000"/>
+                <a:lumMod val="100000"/>
+                <a:shade val="100000"/>
+              </a:schemeClr>
+            </a:gs>
+            <a:gs pos="100000">
+              <a:schemeClr val="phClr">
+                <a:lumMod val="99000"/>
+                <a:satMod val="120000"/>
+                <a:shade val="78000"/>
+              </a:schemeClr>
+            </a:gs>
+          </a:gsLst>
+          <a:lin ang="5400000" scaled="0"/>
+        </a:gradFill>
+      </a:fillStyleLst>
+      <a:lnStyleLst>
+        <a:ln w="12700" cap="flat" cmpd="sng" algn="ctr">
+          <a:solidFill>
+            <a:schemeClr val="phClr"/>
+          </a:solidFill>
+          <a:prstDash val="solid"/>
+          <a:miter lim="800000"/>
+        </a:ln>
+        <a:ln w="19050" cap="flat" cmpd="sng" algn="ctr">
+          <a:solidFill>
+            <a:schemeClr val="phClr"/>
+          </a:solidFill>
+          <a:prstDash val="solid"/>
+          <a:miter lim="800000"/>
+        </a:ln>
+        <a:ln w="25400" cap="flat" cmpd="sng" algn="ctr">
+          <a:solidFill>
+            <a:schemeClr val="phClr"/>
+          </a:solidFill>
+          <a:prstDash val="solid"/>
+          <a:miter lim="800000"/>
+        </a:ln>
+      </a:lnStyleLst>
+      <a:effectStyleLst>
+        <a:effectStyle>
+          <a:effectLst/>
+        </a:effectStyle>
+        <a:effectStyle>
+          <a:effectLst/>
+        </a:effectStyle>
+        <a:effectStyle>
+          <a:effectLst>
+            <a:outerShdw blurRad="57150" dist="19050" dir="5400000" algn="ctr" rotWithShape="0">
+              <a:srgbClr val="000000">
+                <a:alpha val="63000"/>
+              </a:srgbClr>
+            </a:outerShdw>
+          </a:effectLst>
+        </a:effectStyle>
+      </a:effectStyleLst>
+      <a:bgFillStyleLst>
+        <a:solidFill>
+          <a:schemeClr val="phClr"/>
+        </a:solidFill>
+        <a:solidFill>
+          <a:schemeClr val="phClr">
+            <a:tint val="95000"/>
+            <a:satMod val="170000"/>
+          </a:schemeClr>
+        </a:solidFill>
+        <a:gradFill rotWithShape="1">
+          <a:gsLst>
+            <a:gs pos="0">
+              <a:schemeClr val="phClr">
+                <a:tint val="93000"/>
+                <a:satMod val="150000"/>
+                <a:shade val="98000"/>
+                <a:lumMod val="102000"/>
+              </a:schemeClr>
+            </a:gs>
+            <a:gs pos="50000">
+              <a:schemeClr val="phClr">
+                <a:tint val="98000"/>
+                <a:satMod val="130000"/>
+                <a:shade val="90000"/>
+                <a:lumMod val="103000"/>
+              </a:schemeClr>
+            </a:gs>
+            <a:gs pos="100000">
+              <a:schemeClr val="phClr">
+                <a:shade val="63000"/>
+                <a:satMod val="120000"/>
+              </a:schemeClr>
+            </a:gs>
+          </a:gsLst>
+          <a:lin ang="5400000" scaled="0"/>
+        </a:gradFill>
+      </a:bgFillStyleLst>
+    </a:fmtScheme>
+  </a:themeElements>
+  <a:objectDefaults>
+    <a:lnDef>
+      <a:spPr/>
+      <a:bodyPr/>
+      <a:lstStyle/>
+      <a:style>
+        <a:lnRef idx="2">
+          <a:schemeClr val="accent1"/>
+        </a:lnRef>
+        <a:fillRef idx="0">
+          <a:schemeClr val="accent1"/>
+        </a:fillRef>
+        <a:effectRef idx="1">
+          <a:schemeClr val="accent1"/>
+        </a:effectRef>
+        <a:fontRef idx="minor">
+          <a:schemeClr val="tx1"/>
+        </a:fontRef>
+      </a:style>
+    </a:lnDef>
+  </a:objectDefaults>
+  <a:extraClrSchemeLst/>
+  <a:extLst>
+    <a:ext uri="{05A4C25C-085E-4340-85A3-A5531E510DB2}">
+      <thm15:themeFamily xmlns:thm15="http://schemas.microsoft.com/office/thememl/2012/main" name="Office Theme" id="{2E142A2C-CD16-42D6-873A-C26D2A0506FA}" vid="{1BDDFF52-6CD6-40A5-AB3C-68EB2F1E4D0A}"/>
+    </a:ext>
+  </a:extLst>
+</a:theme>
 </file>
--- a/images/instructions/cut_off_slides_inst.pptx
+++ b/images/instructions/cut_off_slides_inst.pptx
@@ -5,14 +5,15 @@
     <p:sldMasterId id="2147483648" r:id="rId1"/>
   </p:sldMasterIdLst>
   <p:notesMasterIdLst>
-    <p:notesMasterId r:id="rId7"/>
+    <p:notesMasterId r:id="rId8"/>
   </p:notesMasterIdLst>
   <p:sldIdLst>
     <p:sldId id="256" r:id="rId2"/>
     <p:sldId id="434" r:id="rId3"/>
-    <p:sldId id="428" r:id="rId4"/>
-    <p:sldId id="429" r:id="rId5"/>
-    <p:sldId id="279" r:id="rId6"/>
+    <p:sldId id="333" r:id="rId4"/>
+    <p:sldId id="428" r:id="rId5"/>
+    <p:sldId id="429" r:id="rId6"/>
+    <p:sldId id="279" r:id="rId7"/>
   </p:sldIdLst>
   <p:sldSz cx="12192000" cy="6858000"/>
   <p:notesSz cx="6858000" cy="9144000"/>
@@ -201,7 +202,7 @@
           <a:p>
             <a:fld id="{16410A8E-DF47-2C46-B759-E5E43FE39603}" type="datetimeFigureOut">
               <a:rPr lang="en-US" smtClean="0"/>
-              <a:t>4/8/24</a:t>
+              <a:t>4/11/24</a:t>
             </a:fld>
             <a:endParaRPr lang="en-US"/>
           </a:p>
@@ -469,6 +470,362 @@
 </file>
 
 <file path=ppt/notesSlides/notesSlide1.xml><?xml version="1.0" encoding="utf-8"?>
+<p:notes xmlns:a="http://schemas.openxmlformats.org/drawingml/2006/main" xmlns:r="http://schemas.openxmlformats.org/officeDocument/2006/relationships" xmlns:p="http://schemas.openxmlformats.org/presentationml/2006/main">
+  <p:cSld>
+    <p:spTree>
+      <p:nvGrpSpPr>
+        <p:cNvPr id="1" name="">
+          <a:extLst>
+            <a:ext uri="{FF2B5EF4-FFF2-40B4-BE49-F238E27FC236}">
+              <a16:creationId xmlns:a16="http://schemas.microsoft.com/office/drawing/2014/main" id="{41A954E2-F97A-E15C-2338-A7E8CD1866A5}"/>
+            </a:ext>
+          </a:extLst>
+        </p:cNvPr>
+        <p:cNvGrpSpPr/>
+        <p:nvPr/>
+      </p:nvGrpSpPr>
+      <p:grpSpPr>
+        <a:xfrm>
+          <a:off x="0" y="0"/>
+          <a:ext cx="0" cy="0"/>
+          <a:chOff x="0" y="0"/>
+          <a:chExt cx="0" cy="0"/>
+        </a:xfrm>
+      </p:grpSpPr>
+      <p:sp>
+        <p:nvSpPr>
+          <p:cNvPr id="2" name="Slide Image Placeholder 1">
+            <a:extLst>
+              <a:ext uri="{FF2B5EF4-FFF2-40B4-BE49-F238E27FC236}">
+                <a16:creationId xmlns:a16="http://schemas.microsoft.com/office/drawing/2014/main" id="{C8DB3ADB-235E-CCA8-885E-CE9466542DF9}"/>
+              </a:ext>
+            </a:extLst>
+          </p:cNvPr>
+          <p:cNvSpPr>
+            <a:spLocks noGrp="1" noRot="1" noChangeAspect="1"/>
+          </p:cNvSpPr>
+          <p:nvPr>
+            <p:ph type="sldImg"/>
+          </p:nvPr>
+        </p:nvSpPr>
+        <p:spPr/>
+      </p:sp>
+      <p:sp>
+        <p:nvSpPr>
+          <p:cNvPr id="3" name="Notes Placeholder 2">
+            <a:extLst>
+              <a:ext uri="{FF2B5EF4-FFF2-40B4-BE49-F238E27FC236}">
+                <a16:creationId xmlns:a16="http://schemas.microsoft.com/office/drawing/2014/main" id="{BD61D8D5-690B-1962-D941-05EDEB79C38F}"/>
+              </a:ext>
+            </a:extLst>
+          </p:cNvPr>
+          <p:cNvSpPr>
+            <a:spLocks noGrp="1"/>
+          </p:cNvSpPr>
+          <p:nvPr>
+            <p:ph type="body" idx="1"/>
+          </p:nvPr>
+        </p:nvSpPr>
+        <p:spPr/>
+        <p:txBody>
+          <a:bodyPr/>
+          <a:lstStyle/>
+          <a:p>
+            <a:pPr marL="0" indent="0">
+              <a:buNone/>
+            </a:pPr>
+            <a:r>
+              <a:rPr lang="en-US" altLang="zh-CN" dirty="0"/>
+              <a:t>If</a:t>
+            </a:r>
+            <a:r>
+              <a:rPr lang="zh-CN" altLang="en-US" dirty="0"/>
+              <a:t> </a:t>
+            </a:r>
+            <a:r>
+              <a:rPr lang="en-US" altLang="zh-CN" dirty="0"/>
+              <a:t>you</a:t>
+            </a:r>
+            <a:r>
+              <a:rPr lang="zh-CN" altLang="en-US" dirty="0"/>
+              <a:t> </a:t>
+            </a:r>
+            <a:r>
+              <a:rPr lang="en-US" altLang="zh-CN" dirty="0"/>
+              <a:t>get</a:t>
+            </a:r>
+            <a:r>
+              <a:rPr lang="zh-CN" altLang="en-US" dirty="0"/>
+              <a:t> </a:t>
+            </a:r>
+            <a:r>
+              <a:rPr lang="en-US" altLang="zh-CN" dirty="0"/>
+              <a:t>more</a:t>
+            </a:r>
+            <a:r>
+              <a:rPr lang="zh-CN" altLang="en-US" dirty="0"/>
+              <a:t> </a:t>
+            </a:r>
+            <a:r>
+              <a:rPr lang="en-US" altLang="zh-CN" dirty="0"/>
+              <a:t>than</a:t>
+            </a:r>
+            <a:r>
+              <a:rPr lang="zh-CN" altLang="en-US" dirty="0"/>
+              <a:t> </a:t>
+            </a:r>
+            <a:r>
+              <a:rPr lang="en-US" altLang="zh-CN" sz="1800" dirty="0">
+                <a:solidFill>
+                  <a:srgbClr val="FF0000"/>
+                </a:solidFill>
+              </a:rPr>
+              <a:t>1800</a:t>
+            </a:r>
+            <a:r>
+              <a:rPr lang="zh-CN" altLang="en-US" dirty="0"/>
+              <a:t> </a:t>
+            </a:r>
+            <a:r>
+              <a:rPr lang="en-US" altLang="zh-CN" dirty="0"/>
+              <a:t>stars,</a:t>
+            </a:r>
+            <a:r>
+              <a:rPr lang="zh-CN" altLang="en-US" dirty="0"/>
+              <a:t> </a:t>
+            </a:r>
+            <a:r>
+              <a:rPr lang="en-US" altLang="zh-CN" dirty="0"/>
+              <a:t>you</a:t>
+            </a:r>
+            <a:r>
+              <a:rPr lang="zh-CN" altLang="en-US" dirty="0"/>
+              <a:t> </a:t>
+            </a:r>
+            <a:r>
+              <a:rPr lang="en-US" altLang="zh-CN" dirty="0"/>
+              <a:t>will</a:t>
+            </a:r>
+            <a:r>
+              <a:rPr lang="zh-CN" altLang="en-US" dirty="0"/>
+              <a:t> </a:t>
+            </a:r>
+            <a:r>
+              <a:rPr lang="en-US" altLang="zh-CN" dirty="0"/>
+              <a:t>be</a:t>
+            </a:r>
+            <a:r>
+              <a:rPr lang="zh-CN" altLang="en-US" dirty="0"/>
+              <a:t> </a:t>
+            </a:r>
+            <a:r>
+              <a:rPr lang="en-US" altLang="zh-CN" dirty="0"/>
+              <a:t>in</a:t>
+            </a:r>
+            <a:r>
+              <a:rPr lang="zh-CN" altLang="en-US" dirty="0"/>
+              <a:t> </a:t>
+            </a:r>
+            <a:r>
+              <a:rPr lang="en-US" altLang="zh-CN" dirty="0"/>
+              <a:t>the</a:t>
+            </a:r>
+            <a:r>
+              <a:rPr lang="zh-CN" altLang="en-US" dirty="0"/>
+              <a:t> </a:t>
+            </a:r>
+            <a:r>
+              <a:rPr lang="en-US" altLang="zh-CN" dirty="0"/>
+              <a:t>top</a:t>
+            </a:r>
+            <a:r>
+              <a:rPr lang="zh-CN" altLang="en-US" dirty="0"/>
+              <a:t> </a:t>
+            </a:r>
+            <a:r>
+              <a:rPr lang="en-US" altLang="zh-CN" dirty="0"/>
+              <a:t>10%</a:t>
+            </a:r>
+            <a:r>
+              <a:rPr lang="zh-CN" altLang="en-US" dirty="0"/>
+              <a:t> </a:t>
+            </a:r>
+            <a:r>
+              <a:rPr lang="en-US" altLang="zh-CN" dirty="0"/>
+              <a:t>of</a:t>
+            </a:r>
+            <a:r>
+              <a:rPr lang="zh-CN" altLang="en-US" dirty="0"/>
+              <a:t> </a:t>
+            </a:r>
+            <a:r>
+              <a:rPr lang="en-US" altLang="zh-CN" dirty="0"/>
+              <a:t>your</a:t>
+            </a:r>
+            <a:r>
+              <a:rPr lang="zh-CN" altLang="en-US" dirty="0"/>
+              <a:t> </a:t>
+            </a:r>
+            <a:r>
+              <a:rPr lang="en-US" altLang="zh-CN" dirty="0"/>
+              <a:t>age!</a:t>
+            </a:r>
+            <a:r>
+              <a:rPr lang="zh-CN" altLang="en-US" dirty="0"/>
+              <a:t> </a:t>
+            </a:r>
+            <a:endParaRPr lang="en-US" altLang="zh-CN" dirty="0"/>
+          </a:p>
+          <a:p>
+            <a:pPr marL="0" marR="0" lvl="0" indent="0" algn="l" defTabSz="914400" rtl="0" eaLnBrk="1" fontAlgn="auto" latinLnBrk="0" hangingPunct="1">
+              <a:lnSpc>
+                <a:spcPct val="100000"/>
+              </a:lnSpc>
+              <a:spcBef>
+                <a:spcPts val="0"/>
+              </a:spcBef>
+              <a:spcAft>
+                <a:spcPts val="0"/>
+              </a:spcAft>
+              <a:buClrTx/>
+              <a:buSzTx/>
+              <a:buFontTx/>
+              <a:buNone/>
+              <a:tabLst/>
+              <a:defRPr/>
+            </a:pPr>
+            <a:r>
+              <a:rPr lang="en-US" altLang="zh-CN" dirty="0"/>
+              <a:t>[click</a:t>
+            </a:r>
+            <a:r>
+              <a:rPr lang="zh-CN" altLang="en-US" dirty="0"/>
+              <a:t> </a:t>
+            </a:r>
+            <a:r>
+              <a:rPr lang="en-US" altLang="zh-CN" dirty="0"/>
+              <a:t>for</a:t>
+            </a:r>
+            <a:r>
+              <a:rPr lang="zh-CN" altLang="en-US" dirty="0"/>
+              <a:t> </a:t>
+            </a:r>
+            <a:r>
+              <a:rPr lang="en-US" altLang="zh-CN" dirty="0"/>
+              <a:t>effect]</a:t>
+            </a:r>
+          </a:p>
+          <a:p>
+            <a:pPr marL="0" indent="0">
+              <a:buNone/>
+            </a:pPr>
+            <a:endParaRPr lang="en-US" altLang="zh-CN" dirty="0"/>
+          </a:p>
+        </p:txBody>
+      </p:sp>
+      <p:sp>
+        <p:nvSpPr>
+          <p:cNvPr id="4" name="Slide Number Placeholder 3">
+            <a:extLst>
+              <a:ext uri="{FF2B5EF4-FFF2-40B4-BE49-F238E27FC236}">
+                <a16:creationId xmlns:a16="http://schemas.microsoft.com/office/drawing/2014/main" id="{9F9CAA45-5502-55DC-535B-9437C83625AE}"/>
+              </a:ext>
+            </a:extLst>
+          </p:cNvPr>
+          <p:cNvSpPr>
+            <a:spLocks noGrp="1"/>
+          </p:cNvSpPr>
+          <p:nvPr>
+            <p:ph type="sldNum" sz="quarter" idx="5"/>
+          </p:nvPr>
+        </p:nvSpPr>
+        <p:spPr/>
+        <p:txBody>
+          <a:bodyPr/>
+          <a:lstStyle/>
+          <a:p>
+            <a:pPr marL="0" marR="0" lvl="0" indent="0" algn="r" defTabSz="914400" rtl="0" eaLnBrk="1" fontAlgn="auto" latinLnBrk="0" hangingPunct="1">
+              <a:lnSpc>
+                <a:spcPct val="100000"/>
+              </a:lnSpc>
+              <a:spcBef>
+                <a:spcPts val="0"/>
+              </a:spcBef>
+              <a:spcAft>
+                <a:spcPts val="0"/>
+              </a:spcAft>
+              <a:buClrTx/>
+              <a:buSzTx/>
+              <a:buFontTx/>
+              <a:buNone/>
+              <a:tabLst/>
+              <a:defRPr/>
+            </a:pPr>
+            <a:fld id="{163F1028-65D3-1A45-9B38-3C7C20421446}" type="slidenum">
+              <a:rPr kumimoji="0" lang="en-US" sz="1200" b="0" i="0" u="none" strike="noStrike" kern="1200" cap="none" spc="0" normalizeH="0" baseline="0" noProof="0" smtClean="0">
+                <a:ln>
+                  <a:noFill/>
+                </a:ln>
+                <a:solidFill>
+                  <a:prstClr val="black"/>
+                </a:solidFill>
+                <a:effectLst/>
+                <a:uLnTx/>
+                <a:uFillTx/>
+                <a:latin typeface="Calibri" panose="020F0502020204030204"/>
+                <a:ea typeface="+mn-ea"/>
+                <a:cs typeface="+mn-cs"/>
+              </a:rPr>
+              <a:pPr marL="0" marR="0" lvl="0" indent="0" algn="r" defTabSz="914400" rtl="0" eaLnBrk="1" fontAlgn="auto" latinLnBrk="0" hangingPunct="1">
+                <a:lnSpc>
+                  <a:spcPct val="100000"/>
+                </a:lnSpc>
+                <a:spcBef>
+                  <a:spcPts val="0"/>
+                </a:spcBef>
+                <a:spcAft>
+                  <a:spcPts val="0"/>
+                </a:spcAft>
+                <a:buClrTx/>
+                <a:buSzTx/>
+                <a:buFontTx/>
+                <a:buNone/>
+                <a:tabLst/>
+                <a:defRPr/>
+              </a:pPr>
+              <a:t>3</a:t>
+            </a:fld>
+            <a:endParaRPr kumimoji="0" lang="en-US" sz="1200" b="0" i="0" u="none" strike="noStrike" kern="1200" cap="none" spc="0" normalizeH="0" baseline="0" noProof="0">
+              <a:ln>
+                <a:noFill/>
+              </a:ln>
+              <a:solidFill>
+                <a:prstClr val="black"/>
+              </a:solidFill>
+              <a:effectLst/>
+              <a:uLnTx/>
+              <a:uFillTx/>
+              <a:latin typeface="Calibri" panose="020F0502020204030204"/>
+              <a:ea typeface="+mn-ea"/>
+              <a:cs typeface="+mn-cs"/>
+            </a:endParaRPr>
+          </a:p>
+        </p:txBody>
+      </p:sp>
+    </p:spTree>
+    <p:extLst>
+      <p:ext uri="{BB962C8B-B14F-4D97-AF65-F5344CB8AC3E}">
+        <p14:creationId xmlns:p14="http://schemas.microsoft.com/office/powerpoint/2010/main" val="2291937866"/>
+      </p:ext>
+    </p:extLst>
+  </p:cSld>
+  <p:clrMapOvr>
+    <a:masterClrMapping/>
+  </p:clrMapOvr>
+</p:notes>
+</file>
+
+<file path=ppt/notesSlides/notesSlide2.xml><?xml version="1.0" encoding="utf-8"?>
 <p:notes xmlns:a="http://schemas.openxmlformats.org/drawingml/2006/main" xmlns:r="http://schemas.openxmlformats.org/officeDocument/2006/relationships" xmlns:p="http://schemas.openxmlformats.org/presentationml/2006/main" showMasterSp="0" showMasterPhAnim="0">
   <p:cSld>
     <p:spTree>
@@ -1277,7 +1634,7 @@
           <a:p>
             <a:fld id="{68035068-BEAA-F042-9F81-225CABA2B9DA}" type="datetimeFigureOut">
               <a:rPr lang="en-US" smtClean="0"/>
-              <a:t>4/8/24</a:t>
+              <a:t>4/11/24</a:t>
             </a:fld>
             <a:endParaRPr lang="en-US"/>
           </a:p>
@@ -1475,7 +1832,7 @@
           <a:p>
             <a:fld id="{68035068-BEAA-F042-9F81-225CABA2B9DA}" type="datetimeFigureOut">
               <a:rPr lang="en-US" smtClean="0"/>
-              <a:t>4/8/24</a:t>
+              <a:t>4/11/24</a:t>
             </a:fld>
             <a:endParaRPr lang="en-US"/>
           </a:p>
@@ -1683,7 +2040,7 @@
           <a:p>
             <a:fld id="{68035068-BEAA-F042-9F81-225CABA2B9DA}" type="datetimeFigureOut">
               <a:rPr lang="en-US" smtClean="0"/>
-              <a:t>4/8/24</a:t>
+              <a:t>4/11/24</a:t>
             </a:fld>
             <a:endParaRPr lang="en-US"/>
           </a:p>
@@ -1881,7 +2238,7 @@
           <a:p>
             <a:fld id="{68035068-BEAA-F042-9F81-225CABA2B9DA}" type="datetimeFigureOut">
               <a:rPr lang="en-US" smtClean="0"/>
-              <a:t>4/8/24</a:t>
+              <a:t>4/11/24</a:t>
             </a:fld>
             <a:endParaRPr lang="en-US"/>
           </a:p>
@@ -2156,7 +2513,7 @@
           <a:p>
             <a:fld id="{68035068-BEAA-F042-9F81-225CABA2B9DA}" type="datetimeFigureOut">
               <a:rPr lang="en-US" smtClean="0"/>
-              <a:t>4/8/24</a:t>
+              <a:t>4/11/24</a:t>
             </a:fld>
             <a:endParaRPr lang="en-US"/>
           </a:p>
@@ -2421,7 +2778,7 @@
           <a:p>
             <a:fld id="{68035068-BEAA-F042-9F81-225CABA2B9DA}" type="datetimeFigureOut">
               <a:rPr lang="en-US" smtClean="0"/>
-              <a:t>4/8/24</a:t>
+              <a:t>4/11/24</a:t>
             </a:fld>
             <a:endParaRPr lang="en-US"/>
           </a:p>
@@ -2833,7 +3190,7 @@
           <a:p>
             <a:fld id="{68035068-BEAA-F042-9F81-225CABA2B9DA}" type="datetimeFigureOut">
               <a:rPr lang="en-US" smtClean="0"/>
-              <a:t>4/8/24</a:t>
+              <a:t>4/11/24</a:t>
             </a:fld>
             <a:endParaRPr lang="en-US"/>
           </a:p>
@@ -2974,7 +3331,7 @@
           <a:p>
             <a:fld id="{68035068-BEAA-F042-9F81-225CABA2B9DA}" type="datetimeFigureOut">
               <a:rPr lang="en-US" smtClean="0"/>
-              <a:t>4/8/24</a:t>
+              <a:t>4/11/24</a:t>
             </a:fld>
             <a:endParaRPr lang="en-US"/>
           </a:p>
@@ -3087,7 +3444,7 @@
           <a:p>
             <a:fld id="{68035068-BEAA-F042-9F81-225CABA2B9DA}" type="datetimeFigureOut">
               <a:rPr lang="en-US" smtClean="0"/>
-              <a:t>4/8/24</a:t>
+              <a:t>4/11/24</a:t>
             </a:fld>
             <a:endParaRPr lang="en-US"/>
           </a:p>
@@ -3398,7 +3755,7 @@
           <a:p>
             <a:fld id="{68035068-BEAA-F042-9F81-225CABA2B9DA}" type="datetimeFigureOut">
               <a:rPr lang="en-US" smtClean="0"/>
-              <a:t>4/8/24</a:t>
+              <a:t>4/11/24</a:t>
             </a:fld>
             <a:endParaRPr lang="en-US"/>
           </a:p>
@@ -3686,7 +4043,7 @@
           <a:p>
             <a:fld id="{68035068-BEAA-F042-9F81-225CABA2B9DA}" type="datetimeFigureOut">
               <a:rPr lang="en-US" smtClean="0"/>
-              <a:t>4/8/24</a:t>
+              <a:t>4/11/24</a:t>
             </a:fld>
             <a:endParaRPr lang="en-US"/>
           </a:p>
@@ -3927,7 +4284,7 @@
           <a:p>
             <a:fld id="{68035068-BEAA-F042-9F81-225CABA2B9DA}" type="datetimeFigureOut">
               <a:rPr lang="en-US" smtClean="0"/>
-              <a:t>4/8/24</a:t>
+              <a:t>4/11/24</a:t>
             </a:fld>
             <a:endParaRPr lang="en-US"/>
           </a:p>
@@ -4500,6 +4857,1217 @@
 </file>
 
 <file path=ppt/slides/slide3.xml><?xml version="1.0" encoding="utf-8"?>
+<p:sld xmlns:a="http://schemas.openxmlformats.org/drawingml/2006/main" xmlns:r="http://schemas.openxmlformats.org/officeDocument/2006/relationships" xmlns:p="http://schemas.openxmlformats.org/presentationml/2006/main">
+  <p:cSld>
+    <p:spTree>
+      <p:nvGrpSpPr>
+        <p:cNvPr id="1" name="">
+          <a:extLst>
+            <a:ext uri="{FF2B5EF4-FFF2-40B4-BE49-F238E27FC236}">
+              <a16:creationId xmlns:a16="http://schemas.microsoft.com/office/drawing/2014/main" id="{A069882C-542E-6260-B7EB-DC3568854BE2}"/>
+            </a:ext>
+          </a:extLst>
+        </p:cNvPr>
+        <p:cNvGrpSpPr/>
+        <p:nvPr/>
+      </p:nvGrpSpPr>
+      <p:grpSpPr>
+        <a:xfrm>
+          <a:off x="0" y="0"/>
+          <a:ext cx="0" cy="0"/>
+          <a:chOff x="0" y="0"/>
+          <a:chExt cx="0" cy="0"/>
+        </a:xfrm>
+      </p:grpSpPr>
+      <p:sp>
+        <p:nvSpPr>
+          <p:cNvPr id="2" name="Rounded Rectangle 1">
+            <a:extLst>
+              <a:ext uri="{FF2B5EF4-FFF2-40B4-BE49-F238E27FC236}">
+                <a16:creationId xmlns:a16="http://schemas.microsoft.com/office/drawing/2014/main" id="{39BF6FC0-3635-7F46-902C-C3ECAED0E8C2}"/>
+              </a:ext>
+            </a:extLst>
+          </p:cNvPr>
+          <p:cNvSpPr/>
+          <p:nvPr/>
+        </p:nvSpPr>
+        <p:spPr>
+          <a:xfrm>
+            <a:off x="760576" y="931492"/>
+            <a:ext cx="10428084" cy="5665861"/>
+          </a:xfrm>
+          <a:prstGeom prst="roundRect">
+            <a:avLst/>
+          </a:prstGeom>
+        </p:spPr>
+        <p:style>
+          <a:lnRef idx="2">
+            <a:schemeClr val="dk1">
+              <a:shade val="50000"/>
+            </a:schemeClr>
+          </a:lnRef>
+          <a:fillRef idx="1">
+            <a:schemeClr val="dk1"/>
+          </a:fillRef>
+          <a:effectRef idx="0">
+            <a:schemeClr val="dk1"/>
+          </a:effectRef>
+          <a:fontRef idx="minor">
+            <a:schemeClr val="lt1"/>
+          </a:fontRef>
+        </p:style>
+        <p:txBody>
+          <a:bodyPr rtlCol="0" anchor="ctr"/>
+          <a:lstStyle/>
+          <a:p>
+            <a:pPr marL="0" marR="0" lvl="0" indent="0" algn="ctr" defTabSz="914400" rtl="0" eaLnBrk="1" fontAlgn="auto" latinLnBrk="0" hangingPunct="1">
+              <a:lnSpc>
+                <a:spcPct val="100000"/>
+              </a:lnSpc>
+              <a:spcBef>
+                <a:spcPts val="0"/>
+              </a:spcBef>
+              <a:spcAft>
+                <a:spcPts val="0"/>
+              </a:spcAft>
+              <a:buClrTx/>
+              <a:buSzTx/>
+              <a:buFontTx/>
+              <a:buNone/>
+              <a:tabLst/>
+              <a:defRPr/>
+            </a:pPr>
+            <a:endParaRPr kumimoji="0" lang="en-US" sz="1800" b="0" i="0" u="none" strike="noStrike" kern="1200" cap="none" spc="0" normalizeH="0" baseline="0" noProof="0">
+              <a:ln>
+                <a:noFill/>
+              </a:ln>
+              <a:solidFill>
+                <a:prstClr val="white"/>
+              </a:solidFill>
+              <a:effectLst/>
+              <a:uLnTx/>
+              <a:uFillTx/>
+              <a:latin typeface="Calibri"/>
+              <a:ea typeface="+mn-ea"/>
+              <a:cs typeface="+mn-cs"/>
+            </a:endParaRPr>
+          </a:p>
+        </p:txBody>
+      </p:sp>
+      <p:sp>
+        <p:nvSpPr>
+          <p:cNvPr id="3" name="Rounded Rectangle 2">
+            <a:extLst>
+              <a:ext uri="{FF2B5EF4-FFF2-40B4-BE49-F238E27FC236}">
+                <a16:creationId xmlns:a16="http://schemas.microsoft.com/office/drawing/2014/main" id="{08162B56-6CE2-E2EC-0E60-5611D25D1FAD}"/>
+              </a:ext>
+            </a:extLst>
+          </p:cNvPr>
+          <p:cNvSpPr>
+            <a:spLocks noChangeAspect="1"/>
+          </p:cNvSpPr>
+          <p:nvPr/>
+        </p:nvSpPr>
+        <p:spPr>
+          <a:xfrm>
+            <a:off x="1009874" y="1066942"/>
+            <a:ext cx="9929487" cy="5394960"/>
+          </a:xfrm>
+          <a:prstGeom prst="roundRect">
+            <a:avLst/>
+          </a:prstGeom>
+          <a:solidFill>
+            <a:schemeClr val="bg1"/>
+          </a:solidFill>
+        </p:spPr>
+        <p:style>
+          <a:lnRef idx="2">
+            <a:schemeClr val="dk1">
+              <a:shade val="50000"/>
+            </a:schemeClr>
+          </a:lnRef>
+          <a:fillRef idx="1">
+            <a:schemeClr val="dk1"/>
+          </a:fillRef>
+          <a:effectRef idx="0">
+            <a:schemeClr val="dk1"/>
+          </a:effectRef>
+          <a:fontRef idx="minor">
+            <a:schemeClr val="lt1"/>
+          </a:fontRef>
+        </p:style>
+        <p:txBody>
+          <a:bodyPr rtlCol="0" anchor="ctr"/>
+          <a:lstStyle/>
+          <a:p>
+            <a:pPr marL="0" marR="0" lvl="0" indent="0" algn="ctr" defTabSz="914400" rtl="0" eaLnBrk="1" fontAlgn="auto" latinLnBrk="0" hangingPunct="1">
+              <a:lnSpc>
+                <a:spcPct val="100000"/>
+              </a:lnSpc>
+              <a:spcBef>
+                <a:spcPts val="0"/>
+              </a:spcBef>
+              <a:spcAft>
+                <a:spcPts val="0"/>
+              </a:spcAft>
+              <a:buClrTx/>
+              <a:buSzTx/>
+              <a:buFontTx/>
+              <a:buNone/>
+              <a:tabLst/>
+              <a:defRPr/>
+            </a:pPr>
+            <a:endParaRPr kumimoji="0" lang="en-US" sz="1800" b="0" i="0" u="none" strike="noStrike" kern="1200" cap="none" spc="0" normalizeH="0" baseline="0" noProof="0" dirty="0">
+              <a:ln>
+                <a:noFill/>
+              </a:ln>
+              <a:solidFill>
+                <a:prstClr val="white"/>
+              </a:solidFill>
+              <a:effectLst/>
+              <a:uLnTx/>
+              <a:uFillTx/>
+              <a:latin typeface="Calibri"/>
+              <a:ea typeface="+mn-ea"/>
+              <a:cs typeface="+mn-cs"/>
+            </a:endParaRPr>
+          </a:p>
+        </p:txBody>
+      </p:sp>
+      <p:sp>
+        <p:nvSpPr>
+          <p:cNvPr id="4" name="Rectangle 3">
+            <a:extLst>
+              <a:ext uri="{FF2B5EF4-FFF2-40B4-BE49-F238E27FC236}">
+                <a16:creationId xmlns:a16="http://schemas.microsoft.com/office/drawing/2014/main" id="{8AE5D95C-F3D8-2D09-3703-191E2FC1E266}"/>
+              </a:ext>
+            </a:extLst>
+          </p:cNvPr>
+          <p:cNvSpPr>
+            <a:spLocks noChangeAspect="1"/>
+          </p:cNvSpPr>
+          <p:nvPr/>
+        </p:nvSpPr>
+        <p:spPr>
+          <a:xfrm>
+            <a:off x="2309130" y="2011680"/>
+            <a:ext cx="2355063" cy="2834640"/>
+          </a:xfrm>
+          <a:prstGeom prst="rect">
+            <a:avLst/>
+          </a:prstGeom>
+        </p:spPr>
+        <p:style>
+          <a:lnRef idx="1">
+            <a:schemeClr val="accent1"/>
+          </a:lnRef>
+          <a:fillRef idx="3">
+            <a:schemeClr val="accent1"/>
+          </a:fillRef>
+          <a:effectRef idx="2">
+            <a:schemeClr val="accent1"/>
+          </a:effectRef>
+          <a:fontRef idx="minor">
+            <a:schemeClr val="lt1"/>
+          </a:fontRef>
+        </p:style>
+        <p:txBody>
+          <a:bodyPr rtlCol="0" anchor="ctr"/>
+          <a:lstStyle/>
+          <a:p>
+            <a:pPr marL="0" marR="0" lvl="0" indent="0" algn="ctr" defTabSz="914400" rtl="0" eaLnBrk="1" fontAlgn="auto" latinLnBrk="0" hangingPunct="1">
+              <a:lnSpc>
+                <a:spcPct val="100000"/>
+              </a:lnSpc>
+              <a:spcBef>
+                <a:spcPts val="0"/>
+              </a:spcBef>
+              <a:spcAft>
+                <a:spcPts val="0"/>
+              </a:spcAft>
+              <a:buClrTx/>
+              <a:buSzTx/>
+              <a:buFontTx/>
+              <a:buNone/>
+              <a:tabLst/>
+              <a:defRPr/>
+            </a:pPr>
+            <a:endParaRPr kumimoji="0" lang="en-US" sz="1800" b="0" i="0" u="none" strike="noStrike" kern="1200" cap="none" spc="0" normalizeH="0" baseline="0" noProof="0" dirty="0">
+              <a:ln>
+                <a:noFill/>
+              </a:ln>
+              <a:solidFill>
+                <a:prstClr val="white"/>
+              </a:solidFill>
+              <a:effectLst/>
+              <a:uLnTx/>
+              <a:uFillTx/>
+              <a:latin typeface="Calibri"/>
+              <a:ea typeface="+mn-ea"/>
+              <a:cs typeface="+mn-cs"/>
+            </a:endParaRPr>
+          </a:p>
+        </p:txBody>
+      </p:sp>
+      <p:sp>
+        <p:nvSpPr>
+          <p:cNvPr id="5" name="Rectangle 4">
+            <a:extLst>
+              <a:ext uri="{FF2B5EF4-FFF2-40B4-BE49-F238E27FC236}">
+                <a16:creationId xmlns:a16="http://schemas.microsoft.com/office/drawing/2014/main" id="{F569998B-0B0F-94E2-929E-6D8135FCA901}"/>
+              </a:ext>
+            </a:extLst>
+          </p:cNvPr>
+          <p:cNvSpPr>
+            <a:spLocks noChangeAspect="1"/>
+          </p:cNvSpPr>
+          <p:nvPr/>
+        </p:nvSpPr>
+        <p:spPr>
+          <a:xfrm>
+            <a:off x="7276083" y="2011680"/>
+            <a:ext cx="2355063" cy="2834640"/>
+          </a:xfrm>
+          <a:prstGeom prst="rect">
+            <a:avLst/>
+          </a:prstGeom>
+        </p:spPr>
+        <p:style>
+          <a:lnRef idx="2">
+            <a:schemeClr val="accent6">
+              <a:shade val="50000"/>
+            </a:schemeClr>
+          </a:lnRef>
+          <a:fillRef idx="1">
+            <a:schemeClr val="accent6"/>
+          </a:fillRef>
+          <a:effectRef idx="0">
+            <a:schemeClr val="accent6"/>
+          </a:effectRef>
+          <a:fontRef idx="minor">
+            <a:schemeClr val="lt1"/>
+          </a:fontRef>
+        </p:style>
+        <p:txBody>
+          <a:bodyPr rtlCol="0" anchor="ctr"/>
+          <a:lstStyle/>
+          <a:p>
+            <a:pPr marL="0" marR="0" lvl="0" indent="0" algn="l" defTabSz="914400" rtl="0" eaLnBrk="1" fontAlgn="auto" latinLnBrk="0" hangingPunct="1">
+              <a:lnSpc>
+                <a:spcPct val="100000"/>
+              </a:lnSpc>
+              <a:spcBef>
+                <a:spcPts val="0"/>
+              </a:spcBef>
+              <a:spcAft>
+                <a:spcPts val="0"/>
+              </a:spcAft>
+              <a:buClrTx/>
+              <a:buSzTx/>
+              <a:buFontTx/>
+              <a:buNone/>
+              <a:tabLst/>
+              <a:defRPr/>
+            </a:pPr>
+            <a:endParaRPr kumimoji="0" lang="en-US" sz="5400" b="0" i="0" u="none" strike="noStrike" kern="1200" cap="none" spc="0" normalizeH="0" baseline="0" noProof="0" dirty="0">
+              <a:ln>
+                <a:noFill/>
+              </a:ln>
+              <a:solidFill>
+                <a:prstClr val="white"/>
+              </a:solidFill>
+              <a:effectLst/>
+              <a:uLnTx/>
+              <a:uFillTx/>
+              <a:latin typeface="Calibri"/>
+              <a:ea typeface="+mn-ea"/>
+              <a:cs typeface="+mn-cs"/>
+            </a:endParaRPr>
+          </a:p>
+        </p:txBody>
+      </p:sp>
+      <p:sp>
+        <p:nvSpPr>
+          <p:cNvPr id="6" name="TextBox 5">
+            <a:extLst>
+              <a:ext uri="{FF2B5EF4-FFF2-40B4-BE49-F238E27FC236}">
+                <a16:creationId xmlns:a16="http://schemas.microsoft.com/office/drawing/2014/main" id="{86A46B4B-943B-DDF3-3015-FF906CE849C0}"/>
+              </a:ext>
+            </a:extLst>
+          </p:cNvPr>
+          <p:cNvSpPr txBox="1"/>
+          <p:nvPr/>
+        </p:nvSpPr>
+        <p:spPr>
+          <a:xfrm>
+            <a:off x="5634598" y="2563738"/>
+            <a:ext cx="680038" cy="1015663"/>
+          </a:xfrm>
+          <a:prstGeom prst="rect">
+            <a:avLst/>
+          </a:prstGeom>
+          <a:noFill/>
+        </p:spPr>
+        <p:txBody>
+          <a:bodyPr wrap="square" rtlCol="0">
+            <a:spAutoFit/>
+          </a:bodyPr>
+          <a:lstStyle/>
+          <a:p>
+            <a:pPr marL="0" marR="0" lvl="0" indent="0" algn="l" defTabSz="914400" rtl="0" eaLnBrk="1" fontAlgn="auto" latinLnBrk="0" hangingPunct="1">
+              <a:lnSpc>
+                <a:spcPct val="100000"/>
+              </a:lnSpc>
+              <a:spcBef>
+                <a:spcPts val="0"/>
+              </a:spcBef>
+              <a:spcAft>
+                <a:spcPts val="0"/>
+              </a:spcAft>
+              <a:buClrTx/>
+              <a:buSzTx/>
+              <a:buFontTx/>
+              <a:buNone/>
+              <a:tabLst/>
+              <a:defRPr/>
+            </a:pPr>
+            <a:r>
+              <a:rPr kumimoji="0" lang="en-US" sz="6000" b="0" i="0" u="none" strike="noStrike" kern="1200" cap="none" spc="0" normalizeH="0" baseline="0" noProof="0" dirty="0">
+                <a:ln>
+                  <a:noFill/>
+                </a:ln>
+                <a:solidFill>
+                  <a:srgbClr val="000000"/>
+                </a:solidFill>
+                <a:effectLst/>
+                <a:uLnTx/>
+                <a:uFillTx/>
+                <a:latin typeface="Arial" panose="020B0604020202020204" pitchFamily="34" charset="0"/>
+                <a:ea typeface="+mn-ea"/>
+                <a:cs typeface="+mn-cs"/>
+              </a:rPr>
+              <a:t>+</a:t>
+            </a:r>
+            <a:endParaRPr kumimoji="0" lang="en-US" sz="6000" b="0" i="0" u="none" strike="noStrike" kern="1200" cap="none" spc="0" normalizeH="0" baseline="0" noProof="0" dirty="0">
+              <a:ln>
+                <a:noFill/>
+              </a:ln>
+              <a:solidFill>
+                <a:prstClr val="black"/>
+              </a:solidFill>
+              <a:effectLst/>
+              <a:uLnTx/>
+              <a:uFillTx/>
+              <a:latin typeface="Calibri"/>
+              <a:ea typeface="+mn-ea"/>
+              <a:cs typeface="+mn-cs"/>
+            </a:endParaRPr>
+          </a:p>
+        </p:txBody>
+      </p:sp>
+      <p:grpSp>
+        <p:nvGrpSpPr>
+          <p:cNvPr id="13" name="Group 12">
+            <a:extLst>
+              <a:ext uri="{FF2B5EF4-FFF2-40B4-BE49-F238E27FC236}">
+                <a16:creationId xmlns:a16="http://schemas.microsoft.com/office/drawing/2014/main" id="{C7BDF37F-988F-A852-A775-48D22CAB06C5}"/>
+              </a:ext>
+            </a:extLst>
+          </p:cNvPr>
+          <p:cNvGrpSpPr/>
+          <p:nvPr/>
+        </p:nvGrpSpPr>
+        <p:grpSpPr>
+          <a:xfrm>
+            <a:off x="2024432" y="5114000"/>
+            <a:ext cx="7707495" cy="1017608"/>
+            <a:chOff x="2024432" y="4908900"/>
+            <a:chExt cx="7707495" cy="1017608"/>
+          </a:xfrm>
+        </p:grpSpPr>
+        <p:sp>
+          <p:nvSpPr>
+            <p:cNvPr id="7" name="Rectangle 6">
+              <a:extLst>
+                <a:ext uri="{FF2B5EF4-FFF2-40B4-BE49-F238E27FC236}">
+                  <a16:creationId xmlns:a16="http://schemas.microsoft.com/office/drawing/2014/main" id="{3DB97332-EE52-2165-3338-A75CC66B6AE9}"/>
+                </a:ext>
+              </a:extLst>
+            </p:cNvPr>
+            <p:cNvSpPr/>
+            <p:nvPr/>
+          </p:nvSpPr>
+          <p:spPr>
+            <a:xfrm>
+              <a:off x="2024432" y="5488358"/>
+              <a:ext cx="7707495" cy="438150"/>
+            </a:xfrm>
+            <a:prstGeom prst="rect">
+              <a:avLst/>
+            </a:prstGeom>
+            <a:solidFill>
+              <a:schemeClr val="bg2">
+                <a:lumMod val="90000"/>
+              </a:schemeClr>
+            </a:solidFill>
+            <a:ln>
+              <a:solidFill>
+                <a:schemeClr val="tx1">
+                  <a:lumMod val="65000"/>
+                  <a:lumOff val="35000"/>
+                </a:schemeClr>
+              </a:solidFill>
+            </a:ln>
+            <a:effectLst/>
+          </p:spPr>
+          <p:style>
+            <a:lnRef idx="1">
+              <a:schemeClr val="accent3"/>
+            </a:lnRef>
+            <a:fillRef idx="2">
+              <a:schemeClr val="accent3"/>
+            </a:fillRef>
+            <a:effectRef idx="1">
+              <a:schemeClr val="accent3"/>
+            </a:effectRef>
+            <a:fontRef idx="minor">
+              <a:schemeClr val="dk1"/>
+            </a:fontRef>
+          </p:style>
+          <p:txBody>
+            <a:bodyPr rtlCol="0" anchor="ctr"/>
+            <a:lstStyle/>
+            <a:p>
+              <a:pPr marL="0" marR="0" lvl="0" indent="0" algn="ctr" defTabSz="914400" rtl="0" eaLnBrk="1" fontAlgn="auto" latinLnBrk="0" hangingPunct="1">
+                <a:lnSpc>
+                  <a:spcPct val="100000"/>
+                </a:lnSpc>
+                <a:spcBef>
+                  <a:spcPts val="0"/>
+                </a:spcBef>
+                <a:spcAft>
+                  <a:spcPts val="0"/>
+                </a:spcAft>
+                <a:buClrTx/>
+                <a:buSzTx/>
+                <a:buFontTx/>
+                <a:buNone/>
+                <a:tabLst/>
+                <a:defRPr/>
+              </a:pPr>
+              <a:endParaRPr kumimoji="0" lang="en-US" sz="1800" b="0" i="0" u="none" strike="noStrike" kern="1200" cap="none" spc="0" normalizeH="0" baseline="0" noProof="0" dirty="0">
+                <a:ln>
+                  <a:noFill/>
+                </a:ln>
+                <a:solidFill>
+                  <a:srgbClr val="E7E6E6">
+                    <a:lumMod val="90000"/>
+                  </a:srgbClr>
+                </a:solidFill>
+                <a:effectLst/>
+                <a:uLnTx/>
+                <a:uFillTx/>
+                <a:latin typeface="Calibri"/>
+                <a:ea typeface="+mn-ea"/>
+                <a:cs typeface="+mn-cs"/>
+              </a:endParaRPr>
+            </a:p>
+          </p:txBody>
+        </p:sp>
+        <p:sp>
+          <p:nvSpPr>
+            <p:cNvPr id="12" name="TextBox 11">
+              <a:extLst>
+                <a:ext uri="{FF2B5EF4-FFF2-40B4-BE49-F238E27FC236}">
+                  <a16:creationId xmlns:a16="http://schemas.microsoft.com/office/drawing/2014/main" id="{E63E044B-A0D6-CD70-342A-C952DB8446C2}"/>
+                </a:ext>
+              </a:extLst>
+            </p:cNvPr>
+            <p:cNvSpPr txBox="1"/>
+            <p:nvPr/>
+          </p:nvSpPr>
+          <p:spPr>
+            <a:xfrm>
+              <a:off x="4797085" y="4908900"/>
+              <a:ext cx="2796895" cy="523220"/>
+            </a:xfrm>
+            <a:prstGeom prst="rect">
+              <a:avLst/>
+            </a:prstGeom>
+            <a:noFill/>
+          </p:spPr>
+          <p:txBody>
+            <a:bodyPr wrap="square" rtlCol="0">
+              <a:spAutoFit/>
+            </a:bodyPr>
+            <a:lstStyle/>
+            <a:p>
+              <a:pPr marL="0" marR="0" lvl="0" indent="0" algn="l" defTabSz="914400" rtl="0" eaLnBrk="1" fontAlgn="auto" latinLnBrk="0" hangingPunct="1">
+                <a:lnSpc>
+                  <a:spcPct val="100000"/>
+                </a:lnSpc>
+                <a:spcBef>
+                  <a:spcPts val="0"/>
+                </a:spcBef>
+                <a:spcAft>
+                  <a:spcPts val="0"/>
+                </a:spcAft>
+                <a:buClrTx/>
+                <a:buSzTx/>
+                <a:buFontTx/>
+                <a:buNone/>
+                <a:tabLst/>
+                <a:defRPr/>
+              </a:pPr>
+              <a:r>
+                <a:rPr kumimoji="0" lang="en-US" sz="2800" b="0" i="0" u="none" strike="noStrike" kern="1200" cap="none" spc="0" normalizeH="0" baseline="0" noProof="0" dirty="0">
+                  <a:ln>
+                    <a:noFill/>
+                  </a:ln>
+                  <a:solidFill>
+                    <a:prstClr val="black"/>
+                  </a:solidFill>
+                  <a:effectLst/>
+                  <a:uLnTx/>
+                  <a:uFillTx/>
+                  <a:latin typeface="Calibri"/>
+                  <a:ea typeface="+mn-ea"/>
+                  <a:cs typeface="+mn-cs"/>
+                </a:rPr>
+                <a:t>Total Points: </a:t>
+              </a:r>
+              <a:r>
+                <a:rPr kumimoji="0" lang="en-US" altLang="zh-CN" sz="2800" b="0" i="0" u="none" strike="noStrike" kern="1200" cap="none" spc="0" normalizeH="0" baseline="0" noProof="0" dirty="0">
+                  <a:ln>
+                    <a:noFill/>
+                  </a:ln>
+                  <a:solidFill>
+                    <a:prstClr val="black"/>
+                  </a:solidFill>
+                  <a:effectLst/>
+                  <a:uLnTx/>
+                  <a:uFillTx/>
+                  <a:latin typeface="Calibri"/>
+                  <a:ea typeface="+mn-ea"/>
+                  <a:cs typeface="+mn-cs"/>
+                </a:rPr>
+                <a:t>1800</a:t>
+              </a:r>
+              <a:endParaRPr kumimoji="0" lang="en-US" sz="2800" b="0" i="0" u="none" strike="noStrike" kern="1200" cap="none" spc="0" normalizeH="0" baseline="0" noProof="0" dirty="0">
+                <a:ln>
+                  <a:noFill/>
+                </a:ln>
+                <a:solidFill>
+                  <a:prstClr val="black"/>
+                </a:solidFill>
+                <a:effectLst/>
+                <a:uLnTx/>
+                <a:uFillTx/>
+                <a:latin typeface="Calibri"/>
+                <a:ea typeface="+mn-ea"/>
+                <a:cs typeface="+mn-cs"/>
+              </a:endParaRPr>
+            </a:p>
+          </p:txBody>
+        </p:sp>
+      </p:grpSp>
+      <p:sp>
+        <p:nvSpPr>
+          <p:cNvPr id="8" name="TextBox 7">
+            <a:extLst>
+              <a:ext uri="{FF2B5EF4-FFF2-40B4-BE49-F238E27FC236}">
+                <a16:creationId xmlns:a16="http://schemas.microsoft.com/office/drawing/2014/main" id="{2446C550-DF22-3BAF-D360-02A8F6FBF109}"/>
+              </a:ext>
+            </a:extLst>
+          </p:cNvPr>
+          <p:cNvSpPr txBox="1"/>
+          <p:nvPr/>
+        </p:nvSpPr>
+        <p:spPr>
+          <a:xfrm>
+            <a:off x="348163" y="256032"/>
+            <a:ext cx="11573220" cy="523220"/>
+          </a:xfrm>
+          <a:prstGeom prst="rect">
+            <a:avLst/>
+          </a:prstGeom>
+          <a:noFill/>
+        </p:spPr>
+        <p:txBody>
+          <a:bodyPr wrap="square" rtlCol="0">
+            <a:spAutoFit/>
+          </a:bodyPr>
+          <a:lstStyle/>
+          <a:p>
+            <a:pPr marL="0" marR="0" lvl="0" indent="0" algn="ctr" defTabSz="914400" rtl="0" eaLnBrk="1" fontAlgn="auto" latinLnBrk="0" hangingPunct="1">
+              <a:lnSpc>
+                <a:spcPct val="100000"/>
+              </a:lnSpc>
+              <a:spcBef>
+                <a:spcPts val="0"/>
+              </a:spcBef>
+              <a:spcAft>
+                <a:spcPts val="0"/>
+              </a:spcAft>
+              <a:buClrTx/>
+              <a:buSzTx/>
+              <a:buFontTx/>
+              <a:buNone/>
+              <a:tabLst/>
+              <a:defRPr/>
+            </a:pPr>
+            <a:endParaRPr kumimoji="0" lang="en-US" sz="2800" b="0" i="0" u="none" strike="noStrike" kern="1200" cap="none" spc="0" normalizeH="0" baseline="0" noProof="0" dirty="0">
+              <a:ln>
+                <a:noFill/>
+              </a:ln>
+              <a:solidFill>
+                <a:prstClr val="black"/>
+              </a:solidFill>
+              <a:effectLst/>
+              <a:uLnTx/>
+              <a:uFillTx/>
+              <a:latin typeface="Calibri"/>
+              <a:ea typeface="+mn-ea"/>
+              <a:cs typeface="+mn-cs"/>
+            </a:endParaRPr>
+          </a:p>
+        </p:txBody>
+      </p:sp>
+      <p:sp>
+        <p:nvSpPr>
+          <p:cNvPr id="9" name="Rectangle 8">
+            <a:extLst>
+              <a:ext uri="{FF2B5EF4-FFF2-40B4-BE49-F238E27FC236}">
+                <a16:creationId xmlns:a16="http://schemas.microsoft.com/office/drawing/2014/main" id="{539C44E0-74A4-336A-848C-D0E75BF6217F}"/>
+              </a:ext>
+            </a:extLst>
+          </p:cNvPr>
+          <p:cNvSpPr/>
+          <p:nvPr/>
+        </p:nvSpPr>
+        <p:spPr>
+          <a:xfrm>
+            <a:off x="2024433" y="5697515"/>
+            <a:ext cx="6718124" cy="438150"/>
+          </a:xfrm>
+          <a:prstGeom prst="rect">
+            <a:avLst/>
+          </a:prstGeom>
+          <a:solidFill>
+            <a:srgbClr val="FF0000"/>
+          </a:solidFill>
+          <a:ln>
+            <a:solidFill>
+              <a:schemeClr val="tx1">
+                <a:lumMod val="65000"/>
+                <a:lumOff val="35000"/>
+              </a:schemeClr>
+            </a:solidFill>
+          </a:ln>
+          <a:effectLst/>
+        </p:spPr>
+        <p:style>
+          <a:lnRef idx="1">
+            <a:schemeClr val="accent3"/>
+          </a:lnRef>
+          <a:fillRef idx="2">
+            <a:schemeClr val="accent3"/>
+          </a:fillRef>
+          <a:effectRef idx="1">
+            <a:schemeClr val="accent3"/>
+          </a:effectRef>
+          <a:fontRef idx="minor">
+            <a:schemeClr val="dk1"/>
+          </a:fontRef>
+        </p:style>
+        <p:txBody>
+          <a:bodyPr rtlCol="0" anchor="ctr"/>
+          <a:lstStyle/>
+          <a:p>
+            <a:pPr marL="0" marR="0" lvl="0" indent="0" algn="ctr" defTabSz="914400" rtl="0" eaLnBrk="1" fontAlgn="auto" latinLnBrk="0" hangingPunct="1">
+              <a:lnSpc>
+                <a:spcPct val="100000"/>
+              </a:lnSpc>
+              <a:spcBef>
+                <a:spcPts val="0"/>
+              </a:spcBef>
+              <a:spcAft>
+                <a:spcPts val="0"/>
+              </a:spcAft>
+              <a:buClrTx/>
+              <a:buSzTx/>
+              <a:buFontTx/>
+              <a:buNone/>
+              <a:tabLst/>
+              <a:defRPr/>
+            </a:pPr>
+            <a:endParaRPr kumimoji="0" lang="en-US" sz="1800" b="0" i="0" u="none" strike="noStrike" kern="1200" cap="none" spc="0" normalizeH="0" baseline="0" noProof="0" dirty="0">
+              <a:ln>
+                <a:noFill/>
+              </a:ln>
+              <a:solidFill>
+                <a:srgbClr val="E7E6E6">
+                  <a:lumMod val="90000"/>
+                </a:srgbClr>
+              </a:solidFill>
+              <a:effectLst/>
+              <a:uLnTx/>
+              <a:uFillTx/>
+              <a:latin typeface="Calibri"/>
+              <a:ea typeface="+mn-ea"/>
+              <a:cs typeface="+mn-cs"/>
+            </a:endParaRPr>
+          </a:p>
+        </p:txBody>
+      </p:sp>
+      <p:grpSp>
+        <p:nvGrpSpPr>
+          <p:cNvPr id="16" name="Group 15">
+            <a:extLst>
+              <a:ext uri="{FF2B5EF4-FFF2-40B4-BE49-F238E27FC236}">
+                <a16:creationId xmlns:a16="http://schemas.microsoft.com/office/drawing/2014/main" id="{1306BAE6-2B5B-5FBE-8AF0-54CA14E26154}"/>
+              </a:ext>
+            </a:extLst>
+          </p:cNvPr>
+          <p:cNvGrpSpPr/>
+          <p:nvPr/>
+        </p:nvGrpSpPr>
+        <p:grpSpPr>
+          <a:xfrm>
+            <a:off x="5153176" y="3889500"/>
+            <a:ext cx="2078099" cy="1380389"/>
+            <a:chOff x="5153176" y="3889500"/>
+            <a:chExt cx="2078099" cy="1380389"/>
+          </a:xfrm>
+        </p:grpSpPr>
+        <p:grpSp>
+          <p:nvGrpSpPr>
+            <p:cNvPr id="10" name="Group 9">
+              <a:extLst>
+                <a:ext uri="{FF2B5EF4-FFF2-40B4-BE49-F238E27FC236}">
+                  <a16:creationId xmlns:a16="http://schemas.microsoft.com/office/drawing/2014/main" id="{1F6B8EE2-8F56-5969-DAA8-3EFB751FF4ED}"/>
+                </a:ext>
+              </a:extLst>
+            </p:cNvPr>
+            <p:cNvGrpSpPr/>
+            <p:nvPr/>
+          </p:nvGrpSpPr>
+          <p:grpSpPr>
+            <a:xfrm>
+              <a:off x="5721635" y="3898289"/>
+              <a:ext cx="1509640" cy="1371600"/>
+              <a:chOff x="7436383" y="4136290"/>
+              <a:chExt cx="1509640" cy="1371600"/>
+            </a:xfrm>
+          </p:grpSpPr>
+          <p:pic>
+            <p:nvPicPr>
+              <p:cNvPr id="11" name="Graphic 10" descr="Thumbs up sign with solid fill">
+                <a:extLst>
+                  <a:ext uri="{FF2B5EF4-FFF2-40B4-BE49-F238E27FC236}">
+                    <a16:creationId xmlns:a16="http://schemas.microsoft.com/office/drawing/2014/main" id="{86655453-0025-FB47-31A1-C672D5942551}"/>
+                  </a:ext>
+                </a:extLst>
+              </p:cNvPr>
+              <p:cNvPicPr>
+                <a:picLocks noChangeAspect="1"/>
+              </p:cNvPicPr>
+              <p:nvPr/>
+            </p:nvPicPr>
+            <p:blipFill>
+              <a:blip r:embed="rId6">
+                <a:extLst>
+                  <a:ext uri="{28A0092B-C50C-407E-A947-70E740481C1C}">
+                    <a14:useLocalDpi xmlns:a14="http://schemas.microsoft.com/office/drawing/2010/main" val="0"/>
+                  </a:ext>
+                  <a:ext uri="{96DAC541-7B7A-43D3-8B79-37D633B846F1}">
+                    <asvg:svgBlip xmlns:asvg="http://schemas.microsoft.com/office/drawing/2016/SVG/main" r:embed="rId7"/>
+                  </a:ext>
+                </a:extLst>
+              </a:blip>
+              <a:stretch>
+                <a:fillRect/>
+              </a:stretch>
+            </p:blipFill>
+            <p:spPr>
+              <a:xfrm>
+                <a:off x="7436383" y="4593490"/>
+                <a:ext cx="914400" cy="914400"/>
+              </a:xfrm>
+              <a:prstGeom prst="rect">
+                <a:avLst/>
+              </a:prstGeom>
+            </p:spPr>
+          </p:pic>
+          <p:pic>
+            <p:nvPicPr>
+              <p:cNvPr id="14" name="Graphic 13" descr="Stars with solid fill">
+                <a:extLst>
+                  <a:ext uri="{FF2B5EF4-FFF2-40B4-BE49-F238E27FC236}">
+                    <a16:creationId xmlns:a16="http://schemas.microsoft.com/office/drawing/2014/main" id="{94F72B36-4ECD-C4E3-12E9-9C0E1CEFA7DF}"/>
+                  </a:ext>
+                </a:extLst>
+              </p:cNvPr>
+              <p:cNvPicPr>
+                <a:picLocks noChangeAspect="1"/>
+              </p:cNvPicPr>
+              <p:nvPr/>
+            </p:nvPicPr>
+            <p:blipFill>
+              <a:blip r:embed="rId8">
+                <a:extLst>
+                  <a:ext uri="{28A0092B-C50C-407E-A947-70E740481C1C}">
+                    <a14:useLocalDpi xmlns:a14="http://schemas.microsoft.com/office/drawing/2010/main" val="0"/>
+                  </a:ext>
+                  <a:ext uri="{96DAC541-7B7A-43D3-8B79-37D633B846F1}">
+                    <asvg:svgBlip xmlns:asvg="http://schemas.microsoft.com/office/drawing/2016/SVG/main" r:embed="rId9"/>
+                  </a:ext>
+                </a:extLst>
+              </a:blip>
+              <a:stretch>
+                <a:fillRect/>
+              </a:stretch>
+            </p:blipFill>
+            <p:spPr>
+              <a:xfrm>
+                <a:off x="8031623" y="4136290"/>
+                <a:ext cx="914400" cy="914400"/>
+              </a:xfrm>
+              <a:prstGeom prst="rect">
+                <a:avLst/>
+              </a:prstGeom>
+            </p:spPr>
+          </p:pic>
+        </p:grpSp>
+        <p:pic>
+          <p:nvPicPr>
+            <p:cNvPr id="15" name="Graphic 14" descr="Stars with solid fill">
+              <a:extLst>
+                <a:ext uri="{FF2B5EF4-FFF2-40B4-BE49-F238E27FC236}">
+                  <a16:creationId xmlns:a16="http://schemas.microsoft.com/office/drawing/2014/main" id="{D19C8BDA-94ED-6B6E-6F70-655E8F0FB6C5}"/>
+                </a:ext>
+              </a:extLst>
+            </p:cNvPr>
+            <p:cNvPicPr>
+              <a:picLocks noChangeAspect="1"/>
+            </p:cNvPicPr>
+            <p:nvPr/>
+          </p:nvPicPr>
+          <p:blipFill>
+            <a:blip r:embed="rId8">
+              <a:extLst>
+                <a:ext uri="{28A0092B-C50C-407E-A947-70E740481C1C}">
+                  <a14:useLocalDpi xmlns:a14="http://schemas.microsoft.com/office/drawing/2010/main" val="0"/>
+                </a:ext>
+                <a:ext uri="{96DAC541-7B7A-43D3-8B79-37D633B846F1}">
+                  <asvg:svgBlip xmlns:asvg="http://schemas.microsoft.com/office/drawing/2016/SVG/main" r:embed="rId9"/>
+                </a:ext>
+              </a:extLst>
+            </a:blip>
+            <a:stretch>
+              <a:fillRect/>
+            </a:stretch>
+          </p:blipFill>
+          <p:spPr>
+            <a:xfrm>
+              <a:off x="5153176" y="3889500"/>
+              <a:ext cx="914400" cy="914400"/>
+            </a:xfrm>
+            <a:prstGeom prst="rect">
+              <a:avLst/>
+            </a:prstGeom>
+          </p:spPr>
+        </p:pic>
+      </p:grpSp>
+      <p:pic>
+        <p:nvPicPr>
+          <p:cNvPr id="28" name="Audio 27">
+            <a:extLst>
+              <a:ext uri="{FF2B5EF4-FFF2-40B4-BE49-F238E27FC236}">
+                <a16:creationId xmlns:a16="http://schemas.microsoft.com/office/drawing/2014/main" id="{A834DA41-5D98-5349-BA95-FE0B568510BF}"/>
+              </a:ext>
+            </a:extLst>
+          </p:cNvPr>
+          <p:cNvPicPr>
+            <a:picLocks noChangeAspect="1"/>
+          </p:cNvPicPr>
+          <p:nvPr>
+            <a:audioFile r:link="rId3"/>
+            <p:extLst>
+              <p:ext uri="{DAA4B4D4-6D71-4841-9C94-3DE7FCFB9230}">
+                <p14:media xmlns:p14="http://schemas.microsoft.com/office/powerpoint/2010/main" r:embed="rId2"/>
+              </p:ext>
+            </p:extLst>
+          </p:nvPr>
+        </p:nvPicPr>
+        <p:blipFill>
+          <a:blip r:embed="rId10"/>
+          <a:stretch>
+            <a:fillRect/>
+          </a:stretch>
+        </p:blipFill>
+        <p:spPr>
+          <a:xfrm>
+            <a:off x="11226800" y="5892800"/>
+            <a:ext cx="812800" cy="812800"/>
+          </a:xfrm>
+          <a:prstGeom prst="rect">
+            <a:avLst/>
+          </a:prstGeom>
+        </p:spPr>
+      </p:pic>
+    </p:spTree>
+    <p:custDataLst>
+      <p:tags r:id="rId1"/>
+    </p:custDataLst>
+    <p:extLst>
+      <p:ext uri="{BB962C8B-B14F-4D97-AF65-F5344CB8AC3E}">
+        <p14:creationId xmlns:p14="http://schemas.microsoft.com/office/powerpoint/2010/main" val="1699531354"/>
+      </p:ext>
+    </p:extLst>
+  </p:cSld>
+  <p:clrMapOvr>
+    <a:masterClrMapping/>
+  </p:clrMapOvr>
+  <mc:AlternateContent xmlns:mc="http://schemas.openxmlformats.org/markup-compatibility/2006" xmlns:p14="http://schemas.microsoft.com/office/powerpoint/2010/main">
+    <mc:Choice Requires="p14">
+      <p:transition spd="slow" p14:dur="2000" advTm="9433"/>
+    </mc:Choice>
+    <mc:Fallback xmlns="">
+      <p:transition spd="slow" advTm="9433"/>
+    </mc:Fallback>
+  </mc:AlternateContent>
+  <p:timing>
+    <p:tnLst>
+      <p:par>
+        <p:cTn id="1" dur="indefinite" restart="never" nodeType="tmRoot">
+          <p:childTnLst>
+            <p:seq concurrent="1" nextAc="seek">
+              <p:cTn id="2" dur="indefinite" nodeType="mainSeq">
+                <p:childTnLst>
+                  <p:par>
+                    <p:cTn id="3" fill="hold">
+                      <p:stCondLst>
+                        <p:cond delay="indefinite"/>
+                        <p:cond evt="onBegin" delay="0">
+                          <p:tn val="2"/>
+                        </p:cond>
+                      </p:stCondLst>
+                      <p:childTnLst>
+                        <p:par>
+                          <p:cTn id="4" fill="hold">
+                            <p:stCondLst>
+                              <p:cond delay="0"/>
+                            </p:stCondLst>
+                            <p:childTnLst>
+                              <p:par>
+                                <p:cTn id="5" presetID="1" presetClass="mediacall" presetSubtype="0" fill="hold" nodeType="afterEffect">
+                                  <p:stCondLst>
+                                    <p:cond delay="0"/>
+                                  </p:stCondLst>
+                                  <p:childTnLst>
+                                    <p:cmd type="call" cmd="playFrom(0.0)">
+                                      <p:cBhvr>
+                                        <p:cTn id="6" dur="1" fill="hold"/>
+                                        <p:tgtEl>
+                                          <p:spTgt spid="28"/>
+                                        </p:tgtEl>
+                                      </p:cBhvr>
+                                    </p:cmd>
+                                  </p:childTnLst>
+                                </p:cTn>
+                              </p:par>
+                            </p:childTnLst>
+                          </p:cTn>
+                        </p:par>
+                      </p:childTnLst>
+                    </p:cTn>
+                  </p:par>
+                  <p:par>
+                    <p:cTn id="7" fill="hold">
+                      <p:stCondLst>
+                        <p:cond delay="indefinite"/>
+                      </p:stCondLst>
+                      <p:childTnLst>
+                        <p:par>
+                          <p:cTn id="8" fill="hold">
+                            <p:stCondLst>
+                              <p:cond delay="0"/>
+                            </p:stCondLst>
+                            <p:childTnLst>
+                              <p:par>
+                                <p:cTn id="9" presetID="22" presetClass="entr" presetSubtype="8" fill="hold" grpId="0" nodeType="clickEffect">
+                                  <p:stCondLst>
+                                    <p:cond delay="0"/>
+                                  </p:stCondLst>
+                                  <p:childTnLst>
+                                    <p:set>
+                                      <p:cBhvr>
+                                        <p:cTn id="10" dur="1" fill="hold">
+                                          <p:stCondLst>
+                                            <p:cond delay="0"/>
+                                          </p:stCondLst>
+                                        </p:cTn>
+                                        <p:tgtEl>
+                                          <p:spTgt spid="9"/>
+                                        </p:tgtEl>
+                                        <p:attrNameLst>
+                                          <p:attrName>style.visibility</p:attrName>
+                                        </p:attrNameLst>
+                                      </p:cBhvr>
+                                      <p:to>
+                                        <p:strVal val="visible"/>
+                                      </p:to>
+                                    </p:set>
+                                    <p:animEffect transition="in" filter="wipe(left)">
+                                      <p:cBhvr>
+                                        <p:cTn id="11" dur="500"/>
+                                        <p:tgtEl>
+                                          <p:spTgt spid="9"/>
+                                        </p:tgtEl>
+                                      </p:cBhvr>
+                                    </p:animEffect>
+                                  </p:childTnLst>
+                                </p:cTn>
+                              </p:par>
+                              <p:par>
+                                <p:cTn id="12" presetID="32" presetClass="emph" presetSubtype="0" fill="hold" nodeType="withEffect">
+                                  <p:stCondLst>
+                                    <p:cond delay="0"/>
+                                  </p:stCondLst>
+                                  <p:childTnLst>
+                                    <p:animRot by="120000">
+                                      <p:cBhvr>
+                                        <p:cTn id="13" dur="100" fill="hold">
+                                          <p:stCondLst>
+                                            <p:cond delay="0"/>
+                                          </p:stCondLst>
+                                        </p:cTn>
+                                        <p:tgtEl>
+                                          <p:spTgt spid="16"/>
+                                        </p:tgtEl>
+                                        <p:attrNameLst>
+                                          <p:attrName>r</p:attrName>
+                                        </p:attrNameLst>
+                                      </p:cBhvr>
+                                    </p:animRot>
+                                    <p:animRot by="-240000">
+                                      <p:cBhvr>
+                                        <p:cTn id="14" dur="200" fill="hold">
+                                          <p:stCondLst>
+                                            <p:cond delay="200"/>
+                                          </p:stCondLst>
+                                        </p:cTn>
+                                        <p:tgtEl>
+                                          <p:spTgt spid="16"/>
+                                        </p:tgtEl>
+                                        <p:attrNameLst>
+                                          <p:attrName>r</p:attrName>
+                                        </p:attrNameLst>
+                                      </p:cBhvr>
+                                    </p:animRot>
+                                    <p:animRot by="240000">
+                                      <p:cBhvr>
+                                        <p:cTn id="15" dur="200" fill="hold">
+                                          <p:stCondLst>
+                                            <p:cond delay="400"/>
+                                          </p:stCondLst>
+                                        </p:cTn>
+                                        <p:tgtEl>
+                                          <p:spTgt spid="16"/>
+                                        </p:tgtEl>
+                                        <p:attrNameLst>
+                                          <p:attrName>r</p:attrName>
+                                        </p:attrNameLst>
+                                      </p:cBhvr>
+                                    </p:animRot>
+                                    <p:animRot by="-240000">
+                                      <p:cBhvr>
+                                        <p:cTn id="16" dur="200" fill="hold">
+                                          <p:stCondLst>
+                                            <p:cond delay="600"/>
+                                          </p:stCondLst>
+                                        </p:cTn>
+                                        <p:tgtEl>
+                                          <p:spTgt spid="16"/>
+                                        </p:tgtEl>
+                                        <p:attrNameLst>
+                                          <p:attrName>r</p:attrName>
+                                        </p:attrNameLst>
+                                      </p:cBhvr>
+                                    </p:animRot>
+                                    <p:animRot by="120000">
+                                      <p:cBhvr>
+                                        <p:cTn id="17" dur="200" fill="hold">
+                                          <p:stCondLst>
+                                            <p:cond delay="800"/>
+                                          </p:stCondLst>
+                                        </p:cTn>
+                                        <p:tgtEl>
+                                          <p:spTgt spid="16"/>
+                                        </p:tgtEl>
+                                        <p:attrNameLst>
+                                          <p:attrName>r</p:attrName>
+                                        </p:attrNameLst>
+                                      </p:cBhvr>
+                                    </p:animRot>
+                                  </p:childTnLst>
+                                </p:cTn>
+                              </p:par>
+                            </p:childTnLst>
+                          </p:cTn>
+                        </p:par>
+                      </p:childTnLst>
+                    </p:cTn>
+                  </p:par>
+                </p:childTnLst>
+              </p:cTn>
+              <p:prevCondLst>
+                <p:cond evt="onPrev" delay="0">
+                  <p:tgtEl>
+                    <p:sldTgt/>
+                  </p:tgtEl>
+                </p:cond>
+              </p:prevCondLst>
+              <p:nextCondLst>
+                <p:cond evt="onNext" delay="0">
+                  <p:tgtEl>
+                    <p:sldTgt/>
+                  </p:tgtEl>
+                </p:cond>
+              </p:nextCondLst>
+            </p:seq>
+            <p:audio isNarration="1">
+              <p:cMediaNode vol="80000" showWhenStopped="0">
+                <p:cTn id="18" fill="hold" display="0">
+                  <p:stCondLst>
+                    <p:cond delay="indefinite"/>
+                  </p:stCondLst>
+                  <p:endCondLst>
+                    <p:cond evt="onStopAudio" delay="0">
+                      <p:tgtEl>
+                        <p:sldTgt/>
+                      </p:tgtEl>
+                    </p:cond>
+                  </p:endCondLst>
+                </p:cTn>
+                <p:tgtEl>
+                  <p:spTgt spid="28"/>
+                </p:tgtEl>
+              </p:cMediaNode>
+            </p:audio>
+          </p:childTnLst>
+        </p:cTn>
+      </p:par>
+    </p:tnLst>
+    <p:bldLst>
+      <p:bldP spid="9" grpId="0" animBg="1"/>
+    </p:bldLst>
+  </p:timing>
+</p:sld>
+</file>
+
+<file path=ppt/slides/slide4.xml><?xml version="1.0" encoding="utf-8"?>
 <p:sld xmlns:a="http://schemas.openxmlformats.org/drawingml/2006/main" xmlns:r="http://schemas.openxmlformats.org/officeDocument/2006/relationships" xmlns:p="http://schemas.openxmlformats.org/presentationml/2006/main">
   <p:cSld>
     <p:spTree>
@@ -19095,7 +20663,7 @@
 </p:sld>
 </file>
 
-<file path=ppt/slides/slide4.xml><?xml version="1.0" encoding="utf-8"?>
+<file path=ppt/slides/slide5.xml><?xml version="1.0" encoding="utf-8"?>
 <p:sld xmlns:a="http://schemas.openxmlformats.org/drawingml/2006/main" xmlns:r="http://schemas.openxmlformats.org/officeDocument/2006/relationships" xmlns:p="http://schemas.openxmlformats.org/presentationml/2006/main">
   <p:cSld>
     <p:spTree>
@@ -33838,7 +35406,7 @@
 </p:sld>
 </file>
 
-<file path=ppt/slides/slide5.xml><?xml version="1.0" encoding="utf-8"?>
+<file path=ppt/slides/slide6.xml><?xml version="1.0" encoding="utf-8"?>
 <p:sld xmlns:a="http://schemas.openxmlformats.org/drawingml/2006/main" xmlns:r="http://schemas.openxmlformats.org/officeDocument/2006/relationships" xmlns:p="http://schemas.openxmlformats.org/presentationml/2006/main">
   <p:cSld>
     <p:spTree>
@@ -34637,6 +36205,12 @@
 
 <file path=ppt/tags/tag1.xml><?xml version="1.0" encoding="utf-8"?>
 <p:tagLst xmlns:a="http://schemas.openxmlformats.org/drawingml/2006/main" xmlns:r="http://schemas.openxmlformats.org/officeDocument/2006/relationships" xmlns:p="http://schemas.openxmlformats.org/presentationml/2006/main">
+  <p:tag name="TIMING" val="|7.5"/>
+</p:tagLst>
+</file>
+
+<file path=ppt/tags/tag2.xml><?xml version="1.0" encoding="utf-8"?>
+<p:tagLst xmlns:a="http://schemas.openxmlformats.org/drawingml/2006/main" xmlns:r="http://schemas.openxmlformats.org/officeDocument/2006/relationships" xmlns:p="http://schemas.openxmlformats.org/presentationml/2006/main">
   <p:tag name="TIMING" val="|2.4|4.6|5.7|8.4"/>
 </p:tagLst>
 </file>
